--- a/Project use case.pptx
+++ b/Project use case.pptx
@@ -820,7 +820,106 @@
       </p:grpSpPr>
       <p:sp>
         <p:nvSpPr>
-          <p:cNvPr id="87" name="Google Shape;87;gc6f9e470d_0_47:notes"/>
+          <p:cNvPr id="87" name="Google Shape;87;g25693215bbb_0_209:notes"/>
+          <p:cNvSpPr/>
+          <p:nvPr>
+            <p:ph idx="2" type="sldImg"/>
+          </p:nvPr>
+        </p:nvSpPr>
+        <p:spPr>
+          <a:xfrm>
+            <a:off x="381300" y="685800"/>
+            <a:ext cx="6096000" cy="3429000"/>
+          </a:xfrm>
+          <a:custGeom>
+            <a:rect b="b" l="l" r="r" t="t"/>
+            <a:pathLst>
+              <a:path extrusionOk="0" h="120000" w="120000">
+                <a:moveTo>
+                  <a:pt x="0" y="0"/>
+                </a:moveTo>
+                <a:lnTo>
+                  <a:pt x="120000" y="0"/>
+                </a:lnTo>
+                <a:lnTo>
+                  <a:pt x="120000" y="120000"/>
+                </a:lnTo>
+                <a:lnTo>
+                  <a:pt x="0" y="120000"/>
+                </a:lnTo>
+                <a:close/>
+              </a:path>
+            </a:pathLst>
+          </a:custGeom>
+        </p:spPr>
+      </p:sp>
+      <p:sp>
+        <p:nvSpPr>
+          <p:cNvPr id="88" name="Google Shape;88;g25693215bbb_0_209:notes"/>
+          <p:cNvSpPr txBox="1"/>
+          <p:nvPr>
+            <p:ph idx="1" type="body"/>
+          </p:nvPr>
+        </p:nvSpPr>
+        <p:spPr>
+          <a:xfrm>
+            <a:off x="685800" y="4343400"/>
+            <a:ext cx="5486400" cy="4114800"/>
+          </a:xfrm>
+          <a:prstGeom prst="rect">
+            <a:avLst/>
+          </a:prstGeom>
+        </p:spPr>
+        <p:txBody>
+          <a:bodyPr anchorCtr="0" anchor="t" bIns="91425" lIns="91425" spcFirstLastPara="1" rIns="91425" wrap="square" tIns="91425">
+            <a:noAutofit/>
+          </a:bodyPr>
+          <a:lstStyle/>
+          <a:p>
+            <a:pPr indent="0" lvl="0" marL="0" rtl="0" algn="l">
+              <a:spcBef>
+                <a:spcPts val="0"/>
+              </a:spcBef>
+              <a:spcAft>
+                <a:spcPts val="0"/>
+              </a:spcAft>
+              <a:buNone/>
+            </a:pPr>
+            <a:r>
+              <a:t/>
+            </a:r>
+            <a:endParaRPr/>
+          </a:p>
+        </p:txBody>
+      </p:sp>
+    </p:spTree>
+  </p:cSld>
+  <p:clrMapOvr>
+    <a:masterClrMapping/>
+  </p:clrMapOvr>
+</p:notes>
+</file>
+
+<file path=ppt/notesSlides/notesSlide3.xml><?xml version="1.0" encoding="utf-8"?>
+<p:notes xmlns:a="http://schemas.openxmlformats.org/drawingml/2006/main" xmlns:r="http://schemas.openxmlformats.org/officeDocument/2006/relationships" xmlns:mc="http://schemas.openxmlformats.org/markup-compatibility/2006" xmlns:mv="urn:schemas-microsoft-com:mac:vml" xmlns:p="http://schemas.openxmlformats.org/presentationml/2006/main" xmlns:c="http://schemas.openxmlformats.org/drawingml/2006/chart" xmlns:dgm="http://schemas.openxmlformats.org/drawingml/2006/diagram" xmlns:o="urn:schemas-microsoft-com:office:office" xmlns:v="urn:schemas-microsoft-com:vml" xmlns:pvml="urn:schemas-microsoft-com:office:powerpoint" xmlns:com="http://schemas.openxmlformats.org/drawingml/2006/compatibility" xmlns:p14="http://schemas.microsoft.com/office/powerpoint/2010/main" xmlns:p15="http://schemas.microsoft.com/office/powerpoint/2012/main" xmlns:ahyp="http://schemas.microsoft.com/office/drawing/2018/hyperlinkcolor" showMasterPhAnim="0" showMasterSp="0">
+  <p:cSld>
+    <p:spTree>
+      <p:nvGrpSpPr>
+        <p:cNvPr id="91" name="Shape 91"/>
+        <p:cNvGrpSpPr/>
+        <p:nvPr/>
+      </p:nvGrpSpPr>
+      <p:grpSpPr>
+        <a:xfrm>
+          <a:off x="0" y="0"/>
+          <a:ext cx="0" cy="0"/>
+          <a:chOff x="0" y="0"/>
+          <a:chExt cx="0" cy="0"/>
+        </a:xfrm>
+      </p:grpSpPr>
+      <p:sp>
+        <p:nvSpPr>
+          <p:cNvPr id="92" name="Google Shape;92;gc6f9e470d_0_47:notes"/>
           <p:cNvSpPr/>
           <p:nvPr>
             <p:ph idx="2" type="sldImg"/>
@@ -855,7 +954,7 @@
       </p:sp>
       <p:sp>
         <p:nvSpPr>
-          <p:cNvPr id="88" name="Google Shape;88;gc6f9e470d_0_47:notes"/>
+          <p:cNvPr id="93" name="Google Shape;93;gc6f9e470d_0_47:notes"/>
           <p:cNvSpPr txBox="1"/>
           <p:nvPr>
             <p:ph idx="1" type="body"/>
@@ -900,12 +999,12 @@
 </p:notes>
 </file>
 
-<file path=ppt/notesSlides/notesSlide3.xml><?xml version="1.0" encoding="utf-8"?>
+<file path=ppt/notesSlides/notesSlide4.xml><?xml version="1.0" encoding="utf-8"?>
 <p:notes xmlns:a="http://schemas.openxmlformats.org/drawingml/2006/main" xmlns:r="http://schemas.openxmlformats.org/officeDocument/2006/relationships" xmlns:mc="http://schemas.openxmlformats.org/markup-compatibility/2006" xmlns:mv="urn:schemas-microsoft-com:mac:vml" xmlns:p="http://schemas.openxmlformats.org/presentationml/2006/main" xmlns:c="http://schemas.openxmlformats.org/drawingml/2006/chart" xmlns:dgm="http://schemas.openxmlformats.org/drawingml/2006/diagram" xmlns:o="urn:schemas-microsoft-com:office:office" xmlns:v="urn:schemas-microsoft-com:vml" xmlns:pvml="urn:schemas-microsoft-com:office:powerpoint" xmlns:com="http://schemas.openxmlformats.org/drawingml/2006/compatibility" xmlns:p14="http://schemas.microsoft.com/office/powerpoint/2010/main" xmlns:p15="http://schemas.microsoft.com/office/powerpoint/2012/main" xmlns:ahyp="http://schemas.microsoft.com/office/drawing/2018/hyperlinkcolor" showMasterPhAnim="0" showMasterSp="0">
   <p:cSld>
     <p:spTree>
       <p:nvGrpSpPr>
-        <p:cNvPr id="92" name="Shape 92"/>
+        <p:cNvPr id="97" name="Shape 97"/>
         <p:cNvGrpSpPr/>
         <p:nvPr/>
       </p:nvGrpSpPr>
@@ -919,7 +1018,7 @@
       </p:grpSpPr>
       <p:sp>
         <p:nvSpPr>
-          <p:cNvPr id="93" name="Google Shape;93;g25693215bbb_0_50:notes"/>
+          <p:cNvPr id="98" name="Google Shape;98;g25693215bbb_0_50:notes"/>
           <p:cNvSpPr/>
           <p:nvPr>
             <p:ph idx="2" type="sldImg"/>
@@ -954,7 +1053,7 @@
       </p:sp>
       <p:sp>
         <p:nvSpPr>
-          <p:cNvPr id="94" name="Google Shape;94;g25693215bbb_0_50:notes"/>
+          <p:cNvPr id="99" name="Google Shape;99;g25693215bbb_0_50:notes"/>
           <p:cNvSpPr txBox="1"/>
           <p:nvPr>
             <p:ph idx="1" type="body"/>
@@ -999,12 +1098,12 @@
 </p:notes>
 </file>
 
-<file path=ppt/notesSlides/notesSlide4.xml><?xml version="1.0" encoding="utf-8"?>
+<file path=ppt/notesSlides/notesSlide5.xml><?xml version="1.0" encoding="utf-8"?>
 <p:notes xmlns:a="http://schemas.openxmlformats.org/drawingml/2006/main" xmlns:r="http://schemas.openxmlformats.org/officeDocument/2006/relationships" xmlns:mc="http://schemas.openxmlformats.org/markup-compatibility/2006" xmlns:mv="urn:schemas-microsoft-com:mac:vml" xmlns:p="http://schemas.openxmlformats.org/presentationml/2006/main" xmlns:c="http://schemas.openxmlformats.org/drawingml/2006/chart" xmlns:dgm="http://schemas.openxmlformats.org/drawingml/2006/diagram" xmlns:o="urn:schemas-microsoft-com:office:office" xmlns:v="urn:schemas-microsoft-com:vml" xmlns:pvml="urn:schemas-microsoft-com:office:powerpoint" xmlns:com="http://schemas.openxmlformats.org/drawingml/2006/compatibility" xmlns:p14="http://schemas.microsoft.com/office/powerpoint/2010/main" xmlns:p15="http://schemas.microsoft.com/office/powerpoint/2012/main" xmlns:ahyp="http://schemas.microsoft.com/office/drawing/2018/hyperlinkcolor" showMasterPhAnim="0" showMasterSp="0">
   <p:cSld>
     <p:spTree>
       <p:nvGrpSpPr>
-        <p:cNvPr id="99" name="Shape 99"/>
+        <p:cNvPr id="104" name="Shape 104"/>
         <p:cNvGrpSpPr/>
         <p:nvPr/>
       </p:nvGrpSpPr>
@@ -1018,7 +1117,7 @@
       </p:grpSpPr>
       <p:sp>
         <p:nvSpPr>
-          <p:cNvPr id="100" name="Google Shape;100;g25693215bbb_0_67:notes"/>
+          <p:cNvPr id="105" name="Google Shape;105;g25693215bbb_0_67:notes"/>
           <p:cNvSpPr/>
           <p:nvPr>
             <p:ph idx="2" type="sldImg"/>
@@ -1053,7 +1152,7 @@
       </p:sp>
       <p:sp>
         <p:nvSpPr>
-          <p:cNvPr id="101" name="Google Shape;101;g25693215bbb_0_67:notes"/>
+          <p:cNvPr id="106" name="Google Shape;106;g25693215bbb_0_67:notes"/>
           <p:cNvSpPr txBox="1"/>
           <p:nvPr>
             <p:ph idx="1" type="body"/>
@@ -1098,12 +1197,12 @@
 </p:notes>
 </file>
 
-<file path=ppt/notesSlides/notesSlide5.xml><?xml version="1.0" encoding="utf-8"?>
+<file path=ppt/notesSlides/notesSlide6.xml><?xml version="1.0" encoding="utf-8"?>
 <p:notes xmlns:a="http://schemas.openxmlformats.org/drawingml/2006/main" xmlns:r="http://schemas.openxmlformats.org/officeDocument/2006/relationships" xmlns:mc="http://schemas.openxmlformats.org/markup-compatibility/2006" xmlns:mv="urn:schemas-microsoft-com:mac:vml" xmlns:p="http://schemas.openxmlformats.org/presentationml/2006/main" xmlns:c="http://schemas.openxmlformats.org/drawingml/2006/chart" xmlns:dgm="http://schemas.openxmlformats.org/drawingml/2006/diagram" xmlns:o="urn:schemas-microsoft-com:office:office" xmlns:v="urn:schemas-microsoft-com:vml" xmlns:pvml="urn:schemas-microsoft-com:office:powerpoint" xmlns:com="http://schemas.openxmlformats.org/drawingml/2006/compatibility" xmlns:p14="http://schemas.microsoft.com/office/powerpoint/2010/main" xmlns:p15="http://schemas.microsoft.com/office/powerpoint/2012/main" xmlns:ahyp="http://schemas.microsoft.com/office/drawing/2018/hyperlinkcolor" showMasterPhAnim="0" showMasterSp="0">
   <p:cSld>
     <p:spTree>
       <p:nvGrpSpPr>
-        <p:cNvPr id="106" name="Shape 106"/>
+        <p:cNvPr id="111" name="Shape 111"/>
         <p:cNvGrpSpPr/>
         <p:nvPr/>
       </p:nvGrpSpPr>
@@ -1117,7 +1216,7 @@
       </p:grpSpPr>
       <p:sp>
         <p:nvSpPr>
-          <p:cNvPr id="107" name="Google Shape;107;g25693215bbb_0_20:notes"/>
+          <p:cNvPr id="112" name="Google Shape;112;g25693215bbb_0_219:notes"/>
           <p:cNvSpPr/>
           <p:nvPr>
             <p:ph idx="2" type="sldImg"/>
@@ -1152,7 +1251,7 @@
       </p:sp>
       <p:sp>
         <p:nvSpPr>
-          <p:cNvPr id="108" name="Google Shape;108;g25693215bbb_0_20:notes"/>
+          <p:cNvPr id="113" name="Google Shape;113;g25693215bbb_0_219:notes"/>
           <p:cNvSpPr txBox="1"/>
           <p:nvPr>
             <p:ph idx="1" type="body"/>
@@ -1197,12 +1296,12 @@
 </p:notes>
 </file>
 
-<file path=ppt/notesSlides/notesSlide6.xml><?xml version="1.0" encoding="utf-8"?>
+<file path=ppt/notesSlides/notesSlide7.xml><?xml version="1.0" encoding="utf-8"?>
 <p:notes xmlns:a="http://schemas.openxmlformats.org/drawingml/2006/main" xmlns:r="http://schemas.openxmlformats.org/officeDocument/2006/relationships" xmlns:mc="http://schemas.openxmlformats.org/markup-compatibility/2006" xmlns:mv="urn:schemas-microsoft-com:mac:vml" xmlns:p="http://schemas.openxmlformats.org/presentationml/2006/main" xmlns:c="http://schemas.openxmlformats.org/drawingml/2006/chart" xmlns:dgm="http://schemas.openxmlformats.org/drawingml/2006/diagram" xmlns:o="urn:schemas-microsoft-com:office:office" xmlns:v="urn:schemas-microsoft-com:vml" xmlns:pvml="urn:schemas-microsoft-com:office:powerpoint" xmlns:com="http://schemas.openxmlformats.org/drawingml/2006/compatibility" xmlns:p14="http://schemas.microsoft.com/office/powerpoint/2010/main" xmlns:p15="http://schemas.microsoft.com/office/powerpoint/2012/main" xmlns:ahyp="http://schemas.microsoft.com/office/drawing/2018/hyperlinkcolor" showMasterPhAnim="0" showMasterSp="0">
   <p:cSld>
     <p:spTree>
       <p:nvGrpSpPr>
-        <p:cNvPr id="113" name="Shape 113"/>
+        <p:cNvPr id="116" name="Shape 116"/>
         <p:cNvGrpSpPr/>
         <p:nvPr/>
       </p:nvGrpSpPr>
@@ -1216,7 +1315,7 @@
       </p:grpSpPr>
       <p:sp>
         <p:nvSpPr>
-          <p:cNvPr id="114" name="Google Shape;114;g25693215bbb_0_5:notes"/>
+          <p:cNvPr id="117" name="Google Shape;117;g25693215bbb_0_20:notes"/>
           <p:cNvSpPr/>
           <p:nvPr>
             <p:ph idx="2" type="sldImg"/>
@@ -1251,7 +1350,7 @@
       </p:sp>
       <p:sp>
         <p:nvSpPr>
-          <p:cNvPr id="115" name="Google Shape;115;g25693215bbb_0_5:notes"/>
+          <p:cNvPr id="118" name="Google Shape;118;g25693215bbb_0_20:notes"/>
           <p:cNvSpPr txBox="1"/>
           <p:nvPr>
             <p:ph idx="1" type="body"/>
@@ -1296,12 +1395,12 @@
 </p:notes>
 </file>
 
-<file path=ppt/notesSlides/notesSlide7.xml><?xml version="1.0" encoding="utf-8"?>
+<file path=ppt/notesSlides/notesSlide8.xml><?xml version="1.0" encoding="utf-8"?>
 <p:notes xmlns:a="http://schemas.openxmlformats.org/drawingml/2006/main" xmlns:r="http://schemas.openxmlformats.org/officeDocument/2006/relationships" xmlns:mc="http://schemas.openxmlformats.org/markup-compatibility/2006" xmlns:mv="urn:schemas-microsoft-com:mac:vml" xmlns:p="http://schemas.openxmlformats.org/presentationml/2006/main" xmlns:c="http://schemas.openxmlformats.org/drawingml/2006/chart" xmlns:dgm="http://schemas.openxmlformats.org/drawingml/2006/diagram" xmlns:o="urn:schemas-microsoft-com:office:office" xmlns:v="urn:schemas-microsoft-com:vml" xmlns:pvml="urn:schemas-microsoft-com:office:powerpoint" xmlns:com="http://schemas.openxmlformats.org/drawingml/2006/compatibility" xmlns:p14="http://schemas.microsoft.com/office/powerpoint/2010/main" xmlns:p15="http://schemas.microsoft.com/office/powerpoint/2012/main" xmlns:ahyp="http://schemas.microsoft.com/office/drawing/2018/hyperlinkcolor" showMasterPhAnim="0" showMasterSp="0">
   <p:cSld>
     <p:spTree>
       <p:nvGrpSpPr>
-        <p:cNvPr id="119" name="Shape 119"/>
+        <p:cNvPr id="123" name="Shape 123"/>
         <p:cNvGrpSpPr/>
         <p:nvPr/>
       </p:nvGrpSpPr>
@@ -1315,7 +1414,7 @@
       </p:grpSpPr>
       <p:sp>
         <p:nvSpPr>
-          <p:cNvPr id="120" name="Google Shape;120;g25693215bbb_0_39:notes"/>
+          <p:cNvPr id="124" name="Google Shape;124;g25693215bbb_0_188:notes"/>
           <p:cNvSpPr/>
           <p:nvPr>
             <p:ph idx="2" type="sldImg"/>
@@ -1350,106 +1449,7 @@
       </p:sp>
       <p:sp>
         <p:nvSpPr>
-          <p:cNvPr id="121" name="Google Shape;121;g25693215bbb_0_39:notes"/>
-          <p:cNvSpPr txBox="1"/>
-          <p:nvPr>
-            <p:ph idx="1" type="body"/>
-          </p:nvPr>
-        </p:nvSpPr>
-        <p:spPr>
-          <a:xfrm>
-            <a:off x="685800" y="4343400"/>
-            <a:ext cx="5486400" cy="4114800"/>
-          </a:xfrm>
-          <a:prstGeom prst="rect">
-            <a:avLst/>
-          </a:prstGeom>
-        </p:spPr>
-        <p:txBody>
-          <a:bodyPr anchorCtr="0" anchor="t" bIns="91425" lIns="91425" spcFirstLastPara="1" rIns="91425" wrap="square" tIns="91425">
-            <a:noAutofit/>
-          </a:bodyPr>
-          <a:lstStyle/>
-          <a:p>
-            <a:pPr indent="0" lvl="0" marL="0" rtl="0" algn="l">
-              <a:spcBef>
-                <a:spcPts val="0"/>
-              </a:spcBef>
-              <a:spcAft>
-                <a:spcPts val="0"/>
-              </a:spcAft>
-              <a:buNone/>
-            </a:pPr>
-            <a:r>
-              <a:t/>
-            </a:r>
-            <a:endParaRPr/>
-          </a:p>
-        </p:txBody>
-      </p:sp>
-    </p:spTree>
-  </p:cSld>
-  <p:clrMapOvr>
-    <a:masterClrMapping/>
-  </p:clrMapOvr>
-</p:notes>
-</file>
-
-<file path=ppt/notesSlides/notesSlide8.xml><?xml version="1.0" encoding="utf-8"?>
-<p:notes xmlns:a="http://schemas.openxmlformats.org/drawingml/2006/main" xmlns:r="http://schemas.openxmlformats.org/officeDocument/2006/relationships" xmlns:mc="http://schemas.openxmlformats.org/markup-compatibility/2006" xmlns:mv="urn:schemas-microsoft-com:mac:vml" xmlns:p="http://schemas.openxmlformats.org/presentationml/2006/main" xmlns:c="http://schemas.openxmlformats.org/drawingml/2006/chart" xmlns:dgm="http://schemas.openxmlformats.org/drawingml/2006/diagram" xmlns:o="urn:schemas-microsoft-com:office:office" xmlns:v="urn:schemas-microsoft-com:vml" xmlns:pvml="urn:schemas-microsoft-com:office:powerpoint" xmlns:com="http://schemas.openxmlformats.org/drawingml/2006/compatibility" xmlns:p14="http://schemas.microsoft.com/office/powerpoint/2010/main" xmlns:p15="http://schemas.microsoft.com/office/powerpoint/2012/main" xmlns:ahyp="http://schemas.microsoft.com/office/drawing/2018/hyperlinkcolor" showMasterPhAnim="0" showMasterSp="0">
-  <p:cSld>
-    <p:spTree>
-      <p:nvGrpSpPr>
-        <p:cNvPr id="125" name="Shape 125"/>
-        <p:cNvGrpSpPr/>
-        <p:nvPr/>
-      </p:nvGrpSpPr>
-      <p:grpSpPr>
-        <a:xfrm>
-          <a:off x="0" y="0"/>
-          <a:ext cx="0" cy="0"/>
-          <a:chOff x="0" y="0"/>
-          <a:chExt cx="0" cy="0"/>
-        </a:xfrm>
-      </p:grpSpPr>
-      <p:sp>
-        <p:nvSpPr>
-          <p:cNvPr id="126" name="Google Shape;126;g25693215bbb_0_188:notes"/>
-          <p:cNvSpPr/>
-          <p:nvPr>
-            <p:ph idx="2" type="sldImg"/>
-          </p:nvPr>
-        </p:nvSpPr>
-        <p:spPr>
-          <a:xfrm>
-            <a:off x="381300" y="685800"/>
-            <a:ext cx="6096000" cy="3429000"/>
-          </a:xfrm>
-          <a:custGeom>
-            <a:rect b="b" l="l" r="r" t="t"/>
-            <a:pathLst>
-              <a:path extrusionOk="0" h="120000" w="120000">
-                <a:moveTo>
-                  <a:pt x="0" y="0"/>
-                </a:moveTo>
-                <a:lnTo>
-                  <a:pt x="120000" y="0"/>
-                </a:lnTo>
-                <a:lnTo>
-                  <a:pt x="120000" y="120000"/>
-                </a:lnTo>
-                <a:lnTo>
-                  <a:pt x="0" y="120000"/>
-                </a:lnTo>
-                <a:close/>
-              </a:path>
-            </a:pathLst>
-          </a:custGeom>
-        </p:spPr>
-      </p:sp>
-      <p:sp>
-        <p:nvSpPr>
-          <p:cNvPr id="127" name="Google Shape;127;g25693215bbb_0_188:notes"/>
+          <p:cNvPr id="125" name="Google Shape;125;g25693215bbb_0_188:notes"/>
           <p:cNvSpPr txBox="1"/>
           <p:nvPr>
             <p:ph idx="1" type="body"/>
@@ -8121,8 +8121,8 @@
         </p:nvSpPr>
         <p:spPr>
           <a:xfrm>
-            <a:off x="311700" y="1256050"/>
-            <a:ext cx="8520600" cy="2030700"/>
+            <a:off x="311700" y="893100"/>
+            <a:ext cx="8520600" cy="3357300"/>
           </a:xfrm>
           <a:prstGeom prst="rect">
             <a:avLst/>
@@ -8144,10 +8144,10 @@
               <a:buNone/>
             </a:pPr>
             <a:r>
-              <a:rPr b="1" lang="en" sz="10800"/>
-              <a:t>Architecture</a:t>
+              <a:rPr b="1" lang="en" sz="6000"/>
+              <a:t>Improving Data infrastructure how it affect data driven analysis</a:t>
             </a:r>
-            <a:endParaRPr b="1" sz="10800"/>
+            <a:endParaRPr b="1" sz="6000"/>
           </a:p>
         </p:txBody>
       </p:sp>
@@ -8180,6 +8180,71 @@
         <p:nvSpPr>
           <p:cNvPr id="90" name="Google Shape;90;p14"/>
           <p:cNvSpPr txBox="1"/>
+          <p:nvPr>
+            <p:ph type="title"/>
+          </p:nvPr>
+        </p:nvSpPr>
+        <p:spPr>
+          <a:xfrm>
+            <a:off x="311700" y="1256050"/>
+            <a:ext cx="8520600" cy="2030700"/>
+          </a:xfrm>
+          <a:prstGeom prst="rect">
+            <a:avLst/>
+          </a:prstGeom>
+        </p:spPr>
+        <p:txBody>
+          <a:bodyPr anchorCtr="0" anchor="ctr" bIns="91425" lIns="91425" spcFirstLastPara="1" rIns="91425" wrap="square" tIns="91425">
+            <a:noAutofit/>
+          </a:bodyPr>
+          <a:lstStyle/>
+          <a:p>
+            <a:pPr indent="0" lvl="0" marL="0" rtl="0" algn="ctr">
+              <a:spcBef>
+                <a:spcPts val="0"/>
+              </a:spcBef>
+              <a:spcAft>
+                <a:spcPts val="0"/>
+              </a:spcAft>
+              <a:buNone/>
+            </a:pPr>
+            <a:r>
+              <a:rPr b="1" lang="en" sz="10800"/>
+              <a:t>Architecture</a:t>
+            </a:r>
+            <a:endParaRPr b="1" sz="10800"/>
+          </a:p>
+        </p:txBody>
+      </p:sp>
+    </p:spTree>
+  </p:cSld>
+  <p:clrMapOvr>
+    <a:masterClrMapping/>
+  </p:clrMapOvr>
+</p:sld>
+</file>
+
+<file path=ppt/slides/slide3.xml><?xml version="1.0" encoding="utf-8"?>
+<p:sld xmlns:a="http://schemas.openxmlformats.org/drawingml/2006/main" xmlns:r="http://schemas.openxmlformats.org/officeDocument/2006/relationships" xmlns:mc="http://schemas.openxmlformats.org/markup-compatibility/2006" xmlns:mv="urn:schemas-microsoft-com:mac:vml" xmlns:p="http://schemas.openxmlformats.org/presentationml/2006/main" xmlns:c="http://schemas.openxmlformats.org/drawingml/2006/chart" xmlns:dgm="http://schemas.openxmlformats.org/drawingml/2006/diagram" xmlns:o="urn:schemas-microsoft-com:office:office" xmlns:v="urn:schemas-microsoft-com:vml" xmlns:pvml="urn:schemas-microsoft-com:office:powerpoint" xmlns:com="http://schemas.openxmlformats.org/drawingml/2006/compatibility" xmlns:p14="http://schemas.microsoft.com/office/powerpoint/2010/main" xmlns:p15="http://schemas.microsoft.com/office/powerpoint/2012/main" xmlns:ahyp="http://schemas.microsoft.com/office/drawing/2018/hyperlinkcolor">
+  <p:cSld>
+    <p:spTree>
+      <p:nvGrpSpPr>
+        <p:cNvPr id="94" name="Shape 94"/>
+        <p:cNvGrpSpPr/>
+        <p:nvPr/>
+      </p:nvGrpSpPr>
+      <p:grpSpPr>
+        <a:xfrm>
+          <a:off x="0" y="0"/>
+          <a:ext cx="0" cy="0"/>
+          <a:chOff x="0" y="0"/>
+          <a:chExt cx="0" cy="0"/>
+        </a:xfrm>
+      </p:grpSpPr>
+      <p:sp>
+        <p:nvSpPr>
+          <p:cNvPr id="95" name="Google Shape;95;p15"/>
+          <p:cNvSpPr txBox="1"/>
           <p:nvPr/>
         </p:nvSpPr>
         <p:spPr>
@@ -8219,7 +8284,7 @@
       </p:sp>
       <p:pic>
         <p:nvPicPr>
-          <p:cNvPr id="91" name="Google Shape;91;p14"/>
+          <p:cNvPr id="96" name="Google Shape;96;p15"/>
           <p:cNvPicPr preferRelativeResize="0"/>
           <p:nvPr/>
         </p:nvPicPr>
@@ -8252,12 +8317,12 @@
 </p:sld>
 </file>
 
-<file path=ppt/slides/slide3.xml><?xml version="1.0" encoding="utf-8"?>
+<file path=ppt/slides/slide4.xml><?xml version="1.0" encoding="utf-8"?>
 <p:sld xmlns:a="http://schemas.openxmlformats.org/drawingml/2006/main" xmlns:r="http://schemas.openxmlformats.org/officeDocument/2006/relationships" xmlns:mc="http://schemas.openxmlformats.org/markup-compatibility/2006" xmlns:mv="urn:schemas-microsoft-com:mac:vml" xmlns:p="http://schemas.openxmlformats.org/presentationml/2006/main" xmlns:c="http://schemas.openxmlformats.org/drawingml/2006/chart" xmlns:dgm="http://schemas.openxmlformats.org/drawingml/2006/diagram" xmlns:o="urn:schemas-microsoft-com:office:office" xmlns:v="urn:schemas-microsoft-com:vml" xmlns:pvml="urn:schemas-microsoft-com:office:powerpoint" xmlns:com="http://schemas.openxmlformats.org/drawingml/2006/compatibility" xmlns:p14="http://schemas.microsoft.com/office/powerpoint/2010/main" xmlns:p15="http://schemas.microsoft.com/office/powerpoint/2012/main" xmlns:ahyp="http://schemas.microsoft.com/office/drawing/2018/hyperlinkcolor">
   <p:cSld>
     <p:spTree>
       <p:nvGrpSpPr>
-        <p:cNvPr id="95" name="Shape 95"/>
+        <p:cNvPr id="100" name="Shape 100"/>
         <p:cNvGrpSpPr/>
         <p:nvPr/>
       </p:nvGrpSpPr>
@@ -8271,7 +8336,7 @@
       </p:grpSpPr>
       <p:sp>
         <p:nvSpPr>
-          <p:cNvPr id="96" name="Google Shape;96;p15"/>
+          <p:cNvPr id="101" name="Google Shape;101;p16"/>
           <p:cNvSpPr txBox="1"/>
           <p:nvPr>
             <p:ph type="title"/>
@@ -8311,7 +8376,442 @@
       </p:sp>
       <p:sp>
         <p:nvSpPr>
-          <p:cNvPr id="97" name="Google Shape;97;p15"/>
+          <p:cNvPr id="102" name="Google Shape;102;p16"/>
+          <p:cNvSpPr txBox="1"/>
+          <p:nvPr>
+            <p:ph idx="1" type="body"/>
+          </p:nvPr>
+        </p:nvSpPr>
+        <p:spPr>
+          <a:xfrm>
+            <a:off x="311700" y="1144425"/>
+            <a:ext cx="3999900" cy="3663600"/>
+          </a:xfrm>
+          <a:prstGeom prst="rect">
+            <a:avLst/>
+          </a:prstGeom>
+        </p:spPr>
+        <p:txBody>
+          <a:bodyPr anchorCtr="0" anchor="t" bIns="91425" lIns="91425" spcFirstLastPara="1" rIns="91425" wrap="square" tIns="91425">
+            <a:noAutofit/>
+          </a:bodyPr>
+          <a:lstStyle/>
+          <a:p>
+            <a:pPr indent="0" lvl="0" marL="0" rtl="0" algn="l">
+              <a:spcBef>
+                <a:spcPts val="0"/>
+              </a:spcBef>
+              <a:spcAft>
+                <a:spcPts val="0"/>
+              </a:spcAft>
+              <a:buNone/>
+            </a:pPr>
+            <a:r>
+              <a:rPr lang="en" sz="1000"/>
+              <a:t>Customer Data: Banks collect and maintain extensive customer data, including personal information (such as name, address, contact details), identification documents, transaction history, account balances, credit history, loan applications, and other financial details. </a:t>
+            </a:r>
+            <a:endParaRPr sz="1000"/>
+          </a:p>
+          <a:p>
+            <a:pPr indent="0" lvl="0" marL="0" rtl="0" algn="l">
+              <a:spcBef>
+                <a:spcPts val="1600"/>
+              </a:spcBef>
+              <a:spcAft>
+                <a:spcPts val="0"/>
+              </a:spcAft>
+              <a:buNone/>
+            </a:pPr>
+            <a:r>
+              <a:rPr lang="en" sz="1000"/>
+              <a:t>Transaction Data: Banks process and store transaction data generated by customers' financial activities, such as deposits, withdrawals, fund transfers, credit card transactions, loan repayments, and investment transactions. Transaction data provides insights into customers' spending patterns, income streams, and financial behavior.</a:t>
+            </a:r>
+            <a:endParaRPr sz="1000"/>
+          </a:p>
+          <a:p>
+            <a:pPr indent="0" lvl="0" marL="0" rtl="0" algn="l">
+              <a:spcBef>
+                <a:spcPts val="1600"/>
+              </a:spcBef>
+              <a:spcAft>
+                <a:spcPts val="0"/>
+              </a:spcAft>
+              <a:buNone/>
+            </a:pPr>
+            <a:r>
+              <a:rPr lang="en" sz="1000"/>
+              <a:t>Credit Bureaus: Banks often rely on credit bureaus to access credit reports and credit scores of individuals and businesses. These bureaus maintain comprehensive databases of credit information, including payment histories, outstanding debts, bankruptcies, and other relevant financial data. Banks use this information to assess creditworthiness and make lending decisions.</a:t>
+            </a:r>
+            <a:endParaRPr sz="1000"/>
+          </a:p>
+          <a:p>
+            <a:pPr indent="0" lvl="0" marL="0" rtl="0" algn="l">
+              <a:spcBef>
+                <a:spcPts val="0"/>
+              </a:spcBef>
+              <a:spcAft>
+                <a:spcPts val="0"/>
+              </a:spcAft>
+              <a:buNone/>
+            </a:pPr>
+            <a:r>
+              <a:rPr b="1" lang="en" sz="1000"/>
+              <a:t>https://developer.equifax.com/</a:t>
+            </a:r>
+            <a:endParaRPr b="1" sz="1000"/>
+          </a:p>
+          <a:p>
+            <a:pPr indent="0" lvl="0" marL="0" rtl="0" algn="l">
+              <a:spcBef>
+                <a:spcPts val="1600"/>
+              </a:spcBef>
+              <a:spcAft>
+                <a:spcPts val="0"/>
+              </a:spcAft>
+              <a:buNone/>
+            </a:pPr>
+            <a:r>
+              <a:t/>
+            </a:r>
+            <a:endParaRPr sz="1000"/>
+          </a:p>
+          <a:p>
+            <a:pPr indent="0" lvl="0" marL="0" rtl="0" algn="l">
+              <a:spcBef>
+                <a:spcPts val="1600"/>
+              </a:spcBef>
+              <a:spcAft>
+                <a:spcPts val="0"/>
+              </a:spcAft>
+              <a:buNone/>
+            </a:pPr>
+            <a:r>
+              <a:t/>
+            </a:r>
+            <a:endParaRPr sz="800"/>
+          </a:p>
+          <a:p>
+            <a:pPr indent="0" lvl="0" marL="0" rtl="0" algn="l">
+              <a:spcBef>
+                <a:spcPts val="1600"/>
+              </a:spcBef>
+              <a:spcAft>
+                <a:spcPts val="0"/>
+              </a:spcAft>
+              <a:buNone/>
+            </a:pPr>
+            <a:r>
+              <a:t/>
+            </a:r>
+            <a:endParaRPr sz="800"/>
+          </a:p>
+          <a:p>
+            <a:pPr indent="0" lvl="0" marL="0" rtl="0" algn="l">
+              <a:spcBef>
+                <a:spcPts val="1600"/>
+              </a:spcBef>
+              <a:spcAft>
+                <a:spcPts val="0"/>
+              </a:spcAft>
+              <a:buNone/>
+            </a:pPr>
+            <a:r>
+              <a:t/>
+            </a:r>
+            <a:endParaRPr sz="800"/>
+          </a:p>
+          <a:p>
+            <a:pPr indent="0" lvl="0" marL="0" rtl="0" algn="l">
+              <a:spcBef>
+                <a:spcPts val="1600"/>
+              </a:spcBef>
+              <a:spcAft>
+                <a:spcPts val="0"/>
+              </a:spcAft>
+              <a:buNone/>
+            </a:pPr>
+            <a:r>
+              <a:t/>
+            </a:r>
+            <a:endParaRPr sz="800"/>
+          </a:p>
+          <a:p>
+            <a:pPr indent="0" lvl="0" marL="0" rtl="0" algn="l">
+              <a:spcBef>
+                <a:spcPts val="1600"/>
+              </a:spcBef>
+              <a:spcAft>
+                <a:spcPts val="0"/>
+              </a:spcAft>
+              <a:buNone/>
+            </a:pPr>
+            <a:r>
+              <a:t/>
+            </a:r>
+            <a:endParaRPr sz="800"/>
+          </a:p>
+          <a:p>
+            <a:pPr indent="0" lvl="0" marL="0" rtl="0" algn="l">
+              <a:spcBef>
+                <a:spcPts val="1600"/>
+              </a:spcBef>
+              <a:spcAft>
+                <a:spcPts val="0"/>
+              </a:spcAft>
+              <a:buNone/>
+            </a:pPr>
+            <a:r>
+              <a:t/>
+            </a:r>
+            <a:endParaRPr sz="800"/>
+          </a:p>
+          <a:p>
+            <a:pPr indent="0" lvl="0" marL="0" rtl="0" algn="l">
+              <a:spcBef>
+                <a:spcPts val="1600"/>
+              </a:spcBef>
+              <a:spcAft>
+                <a:spcPts val="0"/>
+              </a:spcAft>
+              <a:buNone/>
+            </a:pPr>
+            <a:r>
+              <a:t/>
+            </a:r>
+            <a:endParaRPr sz="800"/>
+          </a:p>
+          <a:p>
+            <a:pPr indent="0" lvl="0" marL="0" rtl="0" algn="l">
+              <a:spcBef>
+                <a:spcPts val="1600"/>
+              </a:spcBef>
+              <a:spcAft>
+                <a:spcPts val="0"/>
+              </a:spcAft>
+              <a:buNone/>
+            </a:pPr>
+            <a:r>
+              <a:t/>
+            </a:r>
+            <a:endParaRPr sz="800"/>
+          </a:p>
+          <a:p>
+            <a:pPr indent="0" lvl="0" marL="0" rtl="0" algn="l">
+              <a:spcBef>
+                <a:spcPts val="1600"/>
+              </a:spcBef>
+              <a:spcAft>
+                <a:spcPts val="1600"/>
+              </a:spcAft>
+              <a:buNone/>
+            </a:pPr>
+            <a:r>
+              <a:t/>
+            </a:r>
+            <a:endParaRPr sz="800"/>
+          </a:p>
+        </p:txBody>
+      </p:sp>
+      <p:sp>
+        <p:nvSpPr>
+          <p:cNvPr id="103" name="Google Shape;103;p16"/>
+          <p:cNvSpPr txBox="1"/>
+          <p:nvPr>
+            <p:ph idx="2" type="body"/>
+          </p:nvPr>
+        </p:nvSpPr>
+        <p:spPr>
+          <a:xfrm>
+            <a:off x="4832400" y="1229975"/>
+            <a:ext cx="3999900" cy="3339000"/>
+          </a:xfrm>
+          <a:prstGeom prst="rect">
+            <a:avLst/>
+          </a:prstGeom>
+        </p:spPr>
+        <p:txBody>
+          <a:bodyPr anchorCtr="0" anchor="t" bIns="91425" lIns="91425" spcFirstLastPara="1" rIns="91425" wrap="square" tIns="91425">
+            <a:noAutofit/>
+          </a:bodyPr>
+          <a:lstStyle/>
+          <a:p>
+            <a:pPr indent="0" lvl="0" marL="0" rtl="0" algn="l">
+              <a:spcBef>
+                <a:spcPts val="0"/>
+              </a:spcBef>
+              <a:spcAft>
+                <a:spcPts val="0"/>
+              </a:spcAft>
+              <a:buNone/>
+            </a:pPr>
+            <a:r>
+              <a:rPr b="1" lang="en" sz="1000"/>
+              <a:t>CustomerID, Name, Address, ContactNumber, Email, DateOfBirth, SocialSecurityNumber, IdentificationType, IdentificationNumber, AccountNumber, AccountType, AccountBalance, CreditScore, LoanApplicationDate, LoanAmount, EmploymentStatus</a:t>
+            </a:r>
+            <a:endParaRPr b="1" sz="1000"/>
+          </a:p>
+          <a:p>
+            <a:pPr indent="0" lvl="0" marL="0" rtl="0" algn="l">
+              <a:spcBef>
+                <a:spcPts val="1600"/>
+              </a:spcBef>
+              <a:spcAft>
+                <a:spcPts val="0"/>
+              </a:spcAft>
+              <a:buNone/>
+            </a:pPr>
+            <a:r>
+              <a:t/>
+            </a:r>
+            <a:endParaRPr b="1" sz="1000"/>
+          </a:p>
+          <a:p>
+            <a:pPr indent="0" lvl="0" marL="0" rtl="0" algn="l">
+              <a:spcBef>
+                <a:spcPts val="1600"/>
+              </a:spcBef>
+              <a:spcAft>
+                <a:spcPts val="0"/>
+              </a:spcAft>
+              <a:buNone/>
+            </a:pPr>
+            <a:r>
+              <a:rPr b="1" lang="en" sz="1000"/>
+              <a:t>TransactionID, CustomerID, TransactionDate, TransactionType, Amount, Currency, SourceAccount, DestinationAccount, MerchantName, TransactionDescription</a:t>
+            </a:r>
+            <a:endParaRPr b="1" sz="1000"/>
+          </a:p>
+          <a:p>
+            <a:pPr indent="0" lvl="0" marL="0" rtl="0" algn="l">
+              <a:spcBef>
+                <a:spcPts val="1600"/>
+              </a:spcBef>
+              <a:spcAft>
+                <a:spcPts val="0"/>
+              </a:spcAft>
+              <a:buNone/>
+            </a:pPr>
+            <a:r>
+              <a:t/>
+            </a:r>
+            <a:endParaRPr b="1" sz="1000"/>
+          </a:p>
+          <a:p>
+            <a:pPr indent="0" lvl="0" marL="0" rtl="0" algn="l">
+              <a:spcBef>
+                <a:spcPts val="1600"/>
+              </a:spcBef>
+              <a:spcAft>
+                <a:spcPts val="0"/>
+              </a:spcAft>
+              <a:buNone/>
+            </a:pPr>
+            <a:r>
+              <a:rPr b="1" lang="en" sz="1000"/>
+              <a:t>CustomerID, CreditReportID, CreditScore, PaymentHistory, OutstandingDebt, BankruptcyStatus, CreditLimit, CreditUtilization, CreditInquiries</a:t>
+            </a:r>
+            <a:endParaRPr b="1" sz="1000"/>
+          </a:p>
+          <a:p>
+            <a:pPr indent="0" lvl="0" marL="0" rtl="0" algn="l">
+              <a:spcBef>
+                <a:spcPts val="1600"/>
+              </a:spcBef>
+              <a:spcAft>
+                <a:spcPts val="0"/>
+              </a:spcAft>
+              <a:buNone/>
+            </a:pPr>
+            <a:r>
+              <a:t/>
+            </a:r>
+            <a:endParaRPr b="1" sz="1000"/>
+          </a:p>
+          <a:p>
+            <a:pPr indent="0" lvl="0" marL="0" rtl="0" algn="l">
+              <a:spcBef>
+                <a:spcPts val="1600"/>
+              </a:spcBef>
+              <a:spcAft>
+                <a:spcPts val="1600"/>
+              </a:spcAft>
+              <a:buNone/>
+            </a:pPr>
+            <a:r>
+              <a:t/>
+            </a:r>
+            <a:endParaRPr b="1" sz="1000"/>
+          </a:p>
+        </p:txBody>
+      </p:sp>
+    </p:spTree>
+  </p:cSld>
+  <p:clrMapOvr>
+    <a:masterClrMapping/>
+  </p:clrMapOvr>
+</p:sld>
+</file>
+
+<file path=ppt/slides/slide5.xml><?xml version="1.0" encoding="utf-8"?>
+<p:sld xmlns:a="http://schemas.openxmlformats.org/drawingml/2006/main" xmlns:r="http://schemas.openxmlformats.org/officeDocument/2006/relationships" xmlns:mc="http://schemas.openxmlformats.org/markup-compatibility/2006" xmlns:mv="urn:schemas-microsoft-com:mac:vml" xmlns:p="http://schemas.openxmlformats.org/presentationml/2006/main" xmlns:c="http://schemas.openxmlformats.org/drawingml/2006/chart" xmlns:dgm="http://schemas.openxmlformats.org/drawingml/2006/diagram" xmlns:o="urn:schemas-microsoft-com:office:office" xmlns:v="urn:schemas-microsoft-com:vml" xmlns:pvml="urn:schemas-microsoft-com:office:powerpoint" xmlns:com="http://schemas.openxmlformats.org/drawingml/2006/compatibility" xmlns:p14="http://schemas.microsoft.com/office/powerpoint/2010/main" xmlns:p15="http://schemas.microsoft.com/office/powerpoint/2012/main" xmlns:ahyp="http://schemas.microsoft.com/office/drawing/2018/hyperlinkcolor">
+  <p:cSld>
+    <p:spTree>
+      <p:nvGrpSpPr>
+        <p:cNvPr id="107" name="Shape 107"/>
+        <p:cNvGrpSpPr/>
+        <p:nvPr/>
+      </p:nvGrpSpPr>
+      <p:grpSpPr>
+        <a:xfrm>
+          <a:off x="0" y="0"/>
+          <a:ext cx="0" cy="0"/>
+          <a:chOff x="0" y="0"/>
+          <a:chExt cx="0" cy="0"/>
+        </a:xfrm>
+      </p:grpSpPr>
+      <p:sp>
+        <p:nvSpPr>
+          <p:cNvPr id="108" name="Google Shape;108;p17"/>
+          <p:cNvSpPr txBox="1"/>
+          <p:nvPr>
+            <p:ph type="title"/>
+          </p:nvPr>
+        </p:nvSpPr>
+        <p:spPr>
+          <a:xfrm>
+            <a:off x="311700" y="410000"/>
+            <a:ext cx="8520600" cy="607800"/>
+          </a:xfrm>
+          <a:prstGeom prst="rect">
+            <a:avLst/>
+          </a:prstGeom>
+        </p:spPr>
+        <p:txBody>
+          <a:bodyPr anchorCtr="0" anchor="t" bIns="91425" lIns="91425" spcFirstLastPara="1" rIns="91425" wrap="square" tIns="91425">
+            <a:noAutofit/>
+          </a:bodyPr>
+          <a:lstStyle/>
+          <a:p>
+            <a:pPr indent="0" lvl="0" marL="0" rtl="0" algn="l">
+              <a:spcBef>
+                <a:spcPts val="0"/>
+              </a:spcBef>
+              <a:spcAft>
+                <a:spcPts val="0"/>
+              </a:spcAft>
+              <a:buNone/>
+            </a:pPr>
+            <a:r>
+              <a:rPr lang="en"/>
+              <a:t>Data and Tables: Simmons Bank Anywhere API</a:t>
+            </a:r>
+            <a:endParaRPr/>
+          </a:p>
+        </p:txBody>
+      </p:sp>
+      <p:sp>
+        <p:nvSpPr>
+          <p:cNvPr id="109" name="Google Shape;109;p17"/>
           <p:cNvSpPr txBox="1"/>
           <p:nvPr>
             <p:ph idx="1" type="body"/>
@@ -8342,15 +8842,15 @@
               <a:buNone/>
             </a:pPr>
             <a:r>
-              <a:rPr lang="en" sz="1000"/>
-              <a:t>Customer Data: Banks collect and maintain extensive customer data, including personal information (such as name, address, contact details), identification documents, transaction history, account balances, credit history, loan applications, and other financial details. </a:t>
+              <a:rPr lang="en" sz="1100"/>
+              <a:t>Market Data: Banks monitor market data to gain insights into economic conditions, interest rates, foreign exchange rates, commodity prices, stock market movements, and other financial indicators. </a:t>
             </a:r>
-            <a:endParaRPr sz="1000"/>
+            <a:endParaRPr sz="1100"/>
           </a:p>
           <a:p>
             <a:pPr indent="0" lvl="0" marL="0" rtl="0" algn="l">
               <a:spcBef>
-                <a:spcPts val="1600"/>
+                <a:spcPts val="0"/>
               </a:spcBef>
               <a:spcAft>
                 <a:spcPts val="0"/>
@@ -8358,10 +8858,10 @@
               <a:buNone/>
             </a:pPr>
             <a:r>
-              <a:rPr lang="en" sz="1000"/>
-              <a:t>Transaction Data: Banks process and store transaction data generated by customers' financial activities, such as deposits, withdrawals, fund transfers, credit card transactions, loan repayments, and investment transactions. Transaction data provides insights into customers' spending patterns, income streams, and financial behavior.</a:t>
+              <a:rPr b="1" lang="en" sz="1100"/>
+              <a:t>Refinitiv (https://www.refinitiv.com/)</a:t>
             </a:r>
-            <a:endParaRPr sz="1000"/>
+            <a:endParaRPr b="1" sz="1100"/>
           </a:p>
           <a:p>
             <a:pPr indent="0" lvl="0" marL="0" rtl="0" algn="l">
@@ -8374,10 +8874,10 @@
               <a:buNone/>
             </a:pPr>
             <a:r>
-              <a:rPr lang="en" sz="1000"/>
-              <a:t>Credit Bureaus: Banks often rely on credit bureaus to access credit reports and credit scores of individuals and businesses. These bureaus maintain comprehensive databases of credit information, including payment histories, outstanding debts, bankruptcies, and other relevant financial data. Banks use this information to assess creditworthiness and make lending decisions.</a:t>
+              <a:rPr lang="en" sz="1100"/>
+              <a:t>Regulatory Data: This includes transaction monitoring and reporting to detect and prevent money laundering, fraud, and other financial crimes. </a:t>
             </a:r>
-            <a:endParaRPr b="1" sz="1000"/>
+            <a:endParaRPr sz="1100"/>
           </a:p>
           <a:p>
             <a:pPr indent="0" lvl="0" marL="0" rtl="0" algn="l">
@@ -8392,7 +8892,7 @@
             <a:r>
               <a:t/>
             </a:r>
-            <a:endParaRPr sz="800"/>
+            <a:endParaRPr sz="1700"/>
           </a:p>
           <a:p>
             <a:pPr indent="0" lvl="0" marL="0" rtl="0" algn="l">
@@ -8400,125 +8900,20 @@
                 <a:spcPts val="1600"/>
               </a:spcBef>
               <a:spcAft>
-                <a:spcPts val="0"/>
+                <a:spcPts val="1600"/>
               </a:spcAft>
               <a:buNone/>
             </a:pPr>
             <a:r>
               <a:t/>
             </a:r>
-            <a:endParaRPr sz="800"/>
-          </a:p>
-          <a:p>
-            <a:pPr indent="0" lvl="0" marL="0" rtl="0" algn="l">
-              <a:spcBef>
-                <a:spcPts val="1600"/>
-              </a:spcBef>
-              <a:spcAft>
-                <a:spcPts val="0"/>
-              </a:spcAft>
-              <a:buNone/>
-            </a:pPr>
-            <a:r>
-              <a:t/>
-            </a:r>
-            <a:endParaRPr sz="800"/>
-          </a:p>
-          <a:p>
-            <a:pPr indent="0" lvl="0" marL="0" rtl="0" algn="l">
-              <a:spcBef>
-                <a:spcPts val="1600"/>
-              </a:spcBef>
-              <a:spcAft>
-                <a:spcPts val="0"/>
-              </a:spcAft>
-              <a:buNone/>
-            </a:pPr>
-            <a:r>
-              <a:t/>
-            </a:r>
-            <a:endParaRPr sz="800"/>
-          </a:p>
-          <a:p>
-            <a:pPr indent="0" lvl="0" marL="0" rtl="0" algn="l">
-              <a:spcBef>
-                <a:spcPts val="1600"/>
-              </a:spcBef>
-              <a:spcAft>
-                <a:spcPts val="0"/>
-              </a:spcAft>
-              <a:buNone/>
-            </a:pPr>
-            <a:r>
-              <a:t/>
-            </a:r>
-            <a:endParaRPr sz="800"/>
-          </a:p>
-          <a:p>
-            <a:pPr indent="0" lvl="0" marL="0" rtl="0" algn="l">
-              <a:spcBef>
-                <a:spcPts val="1600"/>
-              </a:spcBef>
-              <a:spcAft>
-                <a:spcPts val="0"/>
-              </a:spcAft>
-              <a:buNone/>
-            </a:pPr>
-            <a:r>
-              <a:t/>
-            </a:r>
-            <a:endParaRPr sz="800"/>
-          </a:p>
-          <a:p>
-            <a:pPr indent="0" lvl="0" marL="0" rtl="0" algn="l">
-              <a:spcBef>
-                <a:spcPts val="1600"/>
-              </a:spcBef>
-              <a:spcAft>
-                <a:spcPts val="0"/>
-              </a:spcAft>
-              <a:buNone/>
-            </a:pPr>
-            <a:r>
-              <a:t/>
-            </a:r>
-            <a:endParaRPr sz="800"/>
-          </a:p>
-          <a:p>
-            <a:pPr indent="0" lvl="0" marL="0" rtl="0" algn="l">
-              <a:spcBef>
-                <a:spcPts val="1600"/>
-              </a:spcBef>
-              <a:spcAft>
-                <a:spcPts val="0"/>
-              </a:spcAft>
-              <a:buNone/>
-            </a:pPr>
-            <a:r>
-              <a:t/>
-            </a:r>
-            <a:endParaRPr sz="800"/>
-          </a:p>
-          <a:p>
-            <a:pPr indent="0" lvl="0" marL="0" rtl="0" algn="l">
-              <a:spcBef>
-                <a:spcPts val="1600"/>
-              </a:spcBef>
-              <a:spcAft>
-                <a:spcPts val="1600"/>
-              </a:spcAft>
-              <a:buNone/>
-            </a:pPr>
-            <a:r>
-              <a:t/>
-            </a:r>
-            <a:endParaRPr sz="800"/>
+            <a:endParaRPr sz="1100"/>
           </a:p>
         </p:txBody>
       </p:sp>
       <p:sp>
         <p:nvSpPr>
-          <p:cNvPr id="98" name="Google Shape;98;p15"/>
+          <p:cNvPr id="110" name="Google Shape;110;p17"/>
           <p:cNvSpPr txBox="1"/>
           <p:nvPr>
             <p:ph idx="2" type="body"/>
@@ -8549,289 +8944,6 @@
               <a:buNone/>
             </a:pPr>
             <a:r>
-              <a:rPr b="1" lang="en" sz="1000"/>
-              <a:t>CustomerID, Name, Address, ContactNumber, Email, DateOfBirth, SocialSecurityNumber, IdentificationType, IdentificationNumber, AccountNumber, AccountType, AccountBalance, CreditScore, LoanApplicationDate, LoanAmount, EmploymentStatus</a:t>
-            </a:r>
-            <a:endParaRPr b="1" sz="1000"/>
-          </a:p>
-          <a:p>
-            <a:pPr indent="0" lvl="0" marL="0" rtl="0" algn="l">
-              <a:spcBef>
-                <a:spcPts val="1600"/>
-              </a:spcBef>
-              <a:spcAft>
-                <a:spcPts val="0"/>
-              </a:spcAft>
-              <a:buNone/>
-            </a:pPr>
-            <a:r>
-              <a:t/>
-            </a:r>
-            <a:endParaRPr b="1" sz="1000"/>
-          </a:p>
-          <a:p>
-            <a:pPr indent="0" lvl="0" marL="0" rtl="0" algn="l">
-              <a:spcBef>
-                <a:spcPts val="1600"/>
-              </a:spcBef>
-              <a:spcAft>
-                <a:spcPts val="0"/>
-              </a:spcAft>
-              <a:buNone/>
-            </a:pPr>
-            <a:r>
-              <a:rPr b="1" lang="en" sz="1000"/>
-              <a:t>TransactionID, CustomerID, TransactionDate, TransactionType, Amount, Currency, SourceAccount, DestinationAccount, MerchantName, TransactionDescription</a:t>
-            </a:r>
-            <a:endParaRPr b="1" sz="1000"/>
-          </a:p>
-          <a:p>
-            <a:pPr indent="0" lvl="0" marL="0" rtl="0" algn="l">
-              <a:spcBef>
-                <a:spcPts val="1600"/>
-              </a:spcBef>
-              <a:spcAft>
-                <a:spcPts val="0"/>
-              </a:spcAft>
-              <a:buNone/>
-            </a:pPr>
-            <a:r>
-              <a:t/>
-            </a:r>
-            <a:endParaRPr b="1" sz="1000"/>
-          </a:p>
-          <a:p>
-            <a:pPr indent="0" lvl="0" marL="0" rtl="0" algn="l">
-              <a:spcBef>
-                <a:spcPts val="1600"/>
-              </a:spcBef>
-              <a:spcAft>
-                <a:spcPts val="0"/>
-              </a:spcAft>
-              <a:buNone/>
-            </a:pPr>
-            <a:r>
-              <a:rPr b="1" lang="en" sz="1000"/>
-              <a:t>CustomerID, CreditReportID, CreditScore, PaymentHistory, OutstandingDebt, BankruptcyStatus, CreditLimit, CreditUtilization, CreditInquiries</a:t>
-            </a:r>
-            <a:endParaRPr b="1" sz="1000"/>
-          </a:p>
-          <a:p>
-            <a:pPr indent="0" lvl="0" marL="0" rtl="0" algn="l">
-              <a:spcBef>
-                <a:spcPts val="1600"/>
-              </a:spcBef>
-              <a:spcAft>
-                <a:spcPts val="0"/>
-              </a:spcAft>
-              <a:buNone/>
-            </a:pPr>
-            <a:r>
-              <a:t/>
-            </a:r>
-            <a:endParaRPr b="1" sz="1000"/>
-          </a:p>
-          <a:p>
-            <a:pPr indent="0" lvl="0" marL="0" rtl="0" algn="l">
-              <a:spcBef>
-                <a:spcPts val="1600"/>
-              </a:spcBef>
-              <a:spcAft>
-                <a:spcPts val="1600"/>
-              </a:spcAft>
-              <a:buNone/>
-            </a:pPr>
-            <a:r>
-              <a:t/>
-            </a:r>
-            <a:endParaRPr b="1" sz="1000"/>
-          </a:p>
-        </p:txBody>
-      </p:sp>
-    </p:spTree>
-  </p:cSld>
-  <p:clrMapOvr>
-    <a:masterClrMapping/>
-  </p:clrMapOvr>
-</p:sld>
-</file>
-
-<file path=ppt/slides/slide4.xml><?xml version="1.0" encoding="utf-8"?>
-<p:sld xmlns:a="http://schemas.openxmlformats.org/drawingml/2006/main" xmlns:r="http://schemas.openxmlformats.org/officeDocument/2006/relationships" xmlns:mc="http://schemas.openxmlformats.org/markup-compatibility/2006" xmlns:mv="urn:schemas-microsoft-com:mac:vml" xmlns:p="http://schemas.openxmlformats.org/presentationml/2006/main" xmlns:c="http://schemas.openxmlformats.org/drawingml/2006/chart" xmlns:dgm="http://schemas.openxmlformats.org/drawingml/2006/diagram" xmlns:o="urn:schemas-microsoft-com:office:office" xmlns:v="urn:schemas-microsoft-com:vml" xmlns:pvml="urn:schemas-microsoft-com:office:powerpoint" xmlns:com="http://schemas.openxmlformats.org/drawingml/2006/compatibility" xmlns:p14="http://schemas.microsoft.com/office/powerpoint/2010/main" xmlns:p15="http://schemas.microsoft.com/office/powerpoint/2012/main" xmlns:ahyp="http://schemas.microsoft.com/office/drawing/2018/hyperlinkcolor">
-  <p:cSld>
-    <p:spTree>
-      <p:nvGrpSpPr>
-        <p:cNvPr id="102" name="Shape 102"/>
-        <p:cNvGrpSpPr/>
-        <p:nvPr/>
-      </p:nvGrpSpPr>
-      <p:grpSpPr>
-        <a:xfrm>
-          <a:off x="0" y="0"/>
-          <a:ext cx="0" cy="0"/>
-          <a:chOff x="0" y="0"/>
-          <a:chExt cx="0" cy="0"/>
-        </a:xfrm>
-      </p:grpSpPr>
-      <p:sp>
-        <p:nvSpPr>
-          <p:cNvPr id="103" name="Google Shape;103;p16"/>
-          <p:cNvSpPr txBox="1"/>
-          <p:nvPr>
-            <p:ph type="title"/>
-          </p:nvPr>
-        </p:nvSpPr>
-        <p:spPr>
-          <a:xfrm>
-            <a:off x="311700" y="410000"/>
-            <a:ext cx="8520600" cy="607800"/>
-          </a:xfrm>
-          <a:prstGeom prst="rect">
-            <a:avLst/>
-          </a:prstGeom>
-        </p:spPr>
-        <p:txBody>
-          <a:bodyPr anchorCtr="0" anchor="t" bIns="91425" lIns="91425" spcFirstLastPara="1" rIns="91425" wrap="square" tIns="91425">
-            <a:noAutofit/>
-          </a:bodyPr>
-          <a:lstStyle/>
-          <a:p>
-            <a:pPr indent="0" lvl="0" marL="0" rtl="0" algn="l">
-              <a:spcBef>
-                <a:spcPts val="0"/>
-              </a:spcBef>
-              <a:spcAft>
-                <a:spcPts val="0"/>
-              </a:spcAft>
-              <a:buNone/>
-            </a:pPr>
-            <a:r>
-              <a:rPr lang="en"/>
-              <a:t>Data and Tables: Simmons Bank Anywhere API</a:t>
-            </a:r>
-            <a:endParaRPr/>
-          </a:p>
-        </p:txBody>
-      </p:sp>
-      <p:sp>
-        <p:nvSpPr>
-          <p:cNvPr id="104" name="Google Shape;104;p16"/>
-          <p:cNvSpPr txBox="1"/>
-          <p:nvPr>
-            <p:ph idx="1" type="body"/>
-          </p:nvPr>
-        </p:nvSpPr>
-        <p:spPr>
-          <a:xfrm>
-            <a:off x="311700" y="1144425"/>
-            <a:ext cx="3999900" cy="3339000"/>
-          </a:xfrm>
-          <a:prstGeom prst="rect">
-            <a:avLst/>
-          </a:prstGeom>
-        </p:spPr>
-        <p:txBody>
-          <a:bodyPr anchorCtr="0" anchor="t" bIns="91425" lIns="91425" spcFirstLastPara="1" rIns="91425" wrap="square" tIns="91425">
-            <a:noAutofit/>
-          </a:bodyPr>
-          <a:lstStyle/>
-          <a:p>
-            <a:pPr indent="0" lvl="0" marL="0" rtl="0" algn="l">
-              <a:spcBef>
-                <a:spcPts val="0"/>
-              </a:spcBef>
-              <a:spcAft>
-                <a:spcPts val="0"/>
-              </a:spcAft>
-              <a:buNone/>
-            </a:pPr>
-            <a:r>
-              <a:rPr lang="en" sz="1100"/>
-              <a:t>Market Data: Banks monitor market data to gain insights into economic conditions, interest rates, foreign exchange rates, commodity prices, stock market movements, and other financial indicators. </a:t>
-            </a:r>
-            <a:endParaRPr sz="1100"/>
-          </a:p>
-          <a:p>
-            <a:pPr indent="0" lvl="0" marL="0" rtl="0" algn="l">
-              <a:spcBef>
-                <a:spcPts val="1600"/>
-              </a:spcBef>
-              <a:spcAft>
-                <a:spcPts val="0"/>
-              </a:spcAft>
-              <a:buNone/>
-            </a:pPr>
-            <a:r>
-              <a:rPr lang="en" sz="1100"/>
-              <a:t>Regulatory Data: This includes transaction monitoring and reporting to detect and prevent money laundering, fraud, and other financial crimes. </a:t>
-            </a:r>
-            <a:endParaRPr sz="1100"/>
-          </a:p>
-          <a:p>
-            <a:pPr indent="0" lvl="0" marL="0" rtl="0" algn="l">
-              <a:spcBef>
-                <a:spcPts val="1600"/>
-              </a:spcBef>
-              <a:spcAft>
-                <a:spcPts val="0"/>
-              </a:spcAft>
-              <a:buNone/>
-            </a:pPr>
-            <a:r>
-              <a:t/>
-            </a:r>
-            <a:endParaRPr sz="1700"/>
-          </a:p>
-          <a:p>
-            <a:pPr indent="0" lvl="0" marL="0" rtl="0" algn="l">
-              <a:spcBef>
-                <a:spcPts val="1600"/>
-              </a:spcBef>
-              <a:spcAft>
-                <a:spcPts val="1600"/>
-              </a:spcAft>
-              <a:buNone/>
-            </a:pPr>
-            <a:r>
-              <a:t/>
-            </a:r>
-            <a:endParaRPr sz="1100"/>
-          </a:p>
-        </p:txBody>
-      </p:sp>
-      <p:sp>
-        <p:nvSpPr>
-          <p:cNvPr id="105" name="Google Shape;105;p16"/>
-          <p:cNvSpPr txBox="1"/>
-          <p:nvPr>
-            <p:ph idx="2" type="body"/>
-          </p:nvPr>
-        </p:nvSpPr>
-        <p:spPr>
-          <a:xfrm>
-            <a:off x="4832400" y="1229975"/>
-            <a:ext cx="3999900" cy="3339000"/>
-          </a:xfrm>
-          <a:prstGeom prst="rect">
-            <a:avLst/>
-          </a:prstGeom>
-        </p:spPr>
-        <p:txBody>
-          <a:bodyPr anchorCtr="0" anchor="t" bIns="91425" lIns="91425" spcFirstLastPara="1" rIns="91425" wrap="square" tIns="91425">
-            <a:noAutofit/>
-          </a:bodyPr>
-          <a:lstStyle/>
-          <a:p>
-            <a:pPr indent="0" lvl="0" marL="0" rtl="0" algn="l">
-              <a:spcBef>
-                <a:spcPts val="0"/>
-              </a:spcBef>
-              <a:spcAft>
-                <a:spcPts val="0"/>
-              </a:spcAft>
-              <a:buNone/>
-            </a:pPr>
-            <a:r>
               <a:rPr b="1" lang="en" sz="1100"/>
               <a:t>Date, EconomicIndicators, InterestRate, ExchangeRate, CommodityPrice, StockMarketIndex</a:t>
             </a:r>
@@ -8953,12 +9065,65 @@
 </p:sld>
 </file>
 
-<file path=ppt/slides/slide5.xml><?xml version="1.0" encoding="utf-8"?>
+<file path=ppt/slides/slide6.xml><?xml version="1.0" encoding="utf-8"?>
 <p:sld xmlns:a="http://schemas.openxmlformats.org/drawingml/2006/main" xmlns:r="http://schemas.openxmlformats.org/officeDocument/2006/relationships" xmlns:mc="http://schemas.openxmlformats.org/markup-compatibility/2006" xmlns:mv="urn:schemas-microsoft-com:mac:vml" xmlns:p="http://schemas.openxmlformats.org/presentationml/2006/main" xmlns:c="http://schemas.openxmlformats.org/drawingml/2006/chart" xmlns:dgm="http://schemas.openxmlformats.org/drawingml/2006/diagram" xmlns:o="urn:schemas-microsoft-com:office:office" xmlns:v="urn:schemas-microsoft-com:vml" xmlns:pvml="urn:schemas-microsoft-com:office:powerpoint" xmlns:com="http://schemas.openxmlformats.org/drawingml/2006/compatibility" xmlns:p14="http://schemas.microsoft.com/office/powerpoint/2010/main" xmlns:p15="http://schemas.microsoft.com/office/powerpoint/2012/main" xmlns:ahyp="http://schemas.microsoft.com/office/drawing/2018/hyperlinkcolor">
   <p:cSld>
     <p:spTree>
       <p:nvGrpSpPr>
-        <p:cNvPr id="109" name="Shape 109"/>
+        <p:cNvPr id="114" name="Shape 114"/>
+        <p:cNvGrpSpPr/>
+        <p:nvPr/>
+      </p:nvGrpSpPr>
+      <p:grpSpPr>
+        <a:xfrm>
+          <a:off x="0" y="0"/>
+          <a:ext cx="0" cy="0"/>
+          <a:chOff x="0" y="0"/>
+          <a:chExt cx="0" cy="0"/>
+        </a:xfrm>
+      </p:grpSpPr>
+      <p:pic>
+        <p:nvPicPr>
+          <p:cNvPr id="115" name="Google Shape;115;p18"/>
+          <p:cNvPicPr preferRelativeResize="0"/>
+          <p:nvPr/>
+        </p:nvPicPr>
+        <p:blipFill>
+          <a:blip r:embed="rId3">
+            <a:alphaModFix/>
+          </a:blip>
+          <a:stretch>
+            <a:fillRect/>
+          </a:stretch>
+        </p:blipFill>
+        <p:spPr>
+          <a:xfrm>
+            <a:off x="152400" y="172438"/>
+            <a:ext cx="8839198" cy="4798626"/>
+          </a:xfrm>
+          <a:prstGeom prst="rect">
+            <a:avLst/>
+          </a:prstGeom>
+          <a:noFill/>
+          <a:ln>
+            <a:noFill/>
+          </a:ln>
+        </p:spPr>
+      </p:pic>
+    </p:spTree>
+  </p:cSld>
+  <p:clrMapOvr>
+    <a:masterClrMapping/>
+  </p:clrMapOvr>
+</p:sld>
+</file>
+
+<file path=ppt/slides/slide7.xml><?xml version="1.0" encoding="utf-8"?>
+<p:sld xmlns:a="http://schemas.openxmlformats.org/drawingml/2006/main" xmlns:r="http://schemas.openxmlformats.org/officeDocument/2006/relationships" xmlns:mc="http://schemas.openxmlformats.org/markup-compatibility/2006" xmlns:mv="urn:schemas-microsoft-com:mac:vml" xmlns:p="http://schemas.openxmlformats.org/presentationml/2006/main" xmlns:c="http://schemas.openxmlformats.org/drawingml/2006/chart" xmlns:dgm="http://schemas.openxmlformats.org/drawingml/2006/diagram" xmlns:o="urn:schemas-microsoft-com:office:office" xmlns:v="urn:schemas-microsoft-com:vml" xmlns:pvml="urn:schemas-microsoft-com:office:powerpoint" xmlns:com="http://schemas.openxmlformats.org/drawingml/2006/compatibility" xmlns:p14="http://schemas.microsoft.com/office/powerpoint/2010/main" xmlns:p15="http://schemas.microsoft.com/office/powerpoint/2012/main" xmlns:ahyp="http://schemas.microsoft.com/office/drawing/2018/hyperlinkcolor">
+  <p:cSld>
+    <p:spTree>
+      <p:nvGrpSpPr>
+        <p:cNvPr id="119" name="Shape 119"/>
         <p:cNvGrpSpPr/>
         <p:nvPr/>
       </p:nvGrpSpPr>
@@ -8972,7 +9137,7 @@
       </p:grpSpPr>
       <p:sp>
         <p:nvSpPr>
-          <p:cNvPr id="110" name="Google Shape;110;p17"/>
+          <p:cNvPr id="120" name="Google Shape;120;p19"/>
           <p:cNvSpPr txBox="1"/>
           <p:nvPr>
             <p:ph type="title"/>
@@ -9012,7 +9177,7 @@
       </p:sp>
       <p:sp>
         <p:nvSpPr>
-          <p:cNvPr id="111" name="Google Shape;111;p17"/>
+          <p:cNvPr id="121" name="Google Shape;121;p19"/>
           <p:cNvSpPr txBox="1"/>
           <p:nvPr/>
         </p:nvSpPr>
@@ -9064,7 +9229,7 @@
       </p:sp>
       <p:sp>
         <p:nvSpPr>
-          <p:cNvPr id="112" name="Google Shape;112;p17"/>
+          <p:cNvPr id="122" name="Google Shape;122;p19"/>
           <p:cNvSpPr txBox="1"/>
           <p:nvPr/>
         </p:nvSpPr>
@@ -9176,12 +9341,12 @@
 </p:sld>
 </file>
 
-<file path=ppt/slides/slide6.xml><?xml version="1.0" encoding="utf-8"?>
+<file path=ppt/slides/slide8.xml><?xml version="1.0" encoding="utf-8"?>
 <p:sld xmlns:a="http://schemas.openxmlformats.org/drawingml/2006/main" xmlns:r="http://schemas.openxmlformats.org/officeDocument/2006/relationships" xmlns:mc="http://schemas.openxmlformats.org/markup-compatibility/2006" xmlns:mv="urn:schemas-microsoft-com:mac:vml" xmlns:p="http://schemas.openxmlformats.org/presentationml/2006/main" xmlns:c="http://schemas.openxmlformats.org/drawingml/2006/chart" xmlns:dgm="http://schemas.openxmlformats.org/drawingml/2006/diagram" xmlns:o="urn:schemas-microsoft-com:office:office" xmlns:v="urn:schemas-microsoft-com:vml" xmlns:pvml="urn:schemas-microsoft-com:office:powerpoint" xmlns:com="http://schemas.openxmlformats.org/drawingml/2006/compatibility" xmlns:p14="http://schemas.microsoft.com/office/powerpoint/2010/main" xmlns:p15="http://schemas.microsoft.com/office/powerpoint/2012/main" xmlns:ahyp="http://schemas.microsoft.com/office/drawing/2018/hyperlinkcolor">
   <p:cSld>
     <p:spTree>
       <p:nvGrpSpPr>
-        <p:cNvPr id="116" name="Shape 116"/>
+        <p:cNvPr id="126" name="Shape 126"/>
         <p:cNvGrpSpPr/>
         <p:nvPr/>
       </p:nvGrpSpPr>
@@ -9195,417 +9360,7 @@
       </p:grpSpPr>
       <p:sp>
         <p:nvSpPr>
-          <p:cNvPr id="117" name="Google Shape;117;p18"/>
-          <p:cNvSpPr txBox="1"/>
-          <p:nvPr>
-            <p:ph type="title"/>
-          </p:nvPr>
-        </p:nvSpPr>
-        <p:spPr>
-          <a:xfrm>
-            <a:off x="311700" y="410000"/>
-            <a:ext cx="8520600" cy="607800"/>
-          </a:xfrm>
-          <a:prstGeom prst="rect">
-            <a:avLst/>
-          </a:prstGeom>
-        </p:spPr>
-        <p:txBody>
-          <a:bodyPr anchorCtr="0" anchor="t" bIns="91425" lIns="91425" spcFirstLastPara="1" rIns="91425" wrap="square" tIns="91425">
-            <a:noAutofit/>
-          </a:bodyPr>
-          <a:lstStyle/>
-          <a:p>
-            <a:pPr indent="0" lvl="0" marL="0" rtl="0" algn="l">
-              <a:spcBef>
-                <a:spcPts val="0"/>
-              </a:spcBef>
-              <a:spcAft>
-                <a:spcPts val="0"/>
-              </a:spcAft>
-              <a:buNone/>
-            </a:pPr>
-            <a:r>
-              <a:rPr lang="en" u="sng"/>
-              <a:t>ML models</a:t>
-            </a:r>
-            <a:endParaRPr u="sng"/>
-          </a:p>
-        </p:txBody>
-      </p:sp>
-      <p:sp>
-        <p:nvSpPr>
-          <p:cNvPr id="118" name="Google Shape;118;p18"/>
-          <p:cNvSpPr txBox="1"/>
-          <p:nvPr>
-            <p:ph idx="1" type="body"/>
-          </p:nvPr>
-        </p:nvSpPr>
-        <p:spPr>
-          <a:xfrm>
-            <a:off x="162000" y="1101575"/>
-            <a:ext cx="8520600" cy="3479400"/>
-          </a:xfrm>
-          <a:prstGeom prst="rect">
-            <a:avLst/>
-          </a:prstGeom>
-        </p:spPr>
-        <p:txBody>
-          <a:bodyPr anchorCtr="0" anchor="t" bIns="91425" lIns="91425" spcFirstLastPara="1" rIns="91425" wrap="square" tIns="91425">
-            <a:noAutofit/>
-          </a:bodyPr>
-          <a:lstStyle/>
-          <a:p>
-            <a:pPr indent="-342900" lvl="0" marL="457200" rtl="0" algn="l">
-              <a:spcBef>
-                <a:spcPts val="0"/>
-              </a:spcBef>
-              <a:spcAft>
-                <a:spcPts val="0"/>
-              </a:spcAft>
-              <a:buSzPts val="1800"/>
-              <a:buChar char="■"/>
-            </a:pPr>
-            <a:r>
-              <a:rPr b="1" lang="en"/>
-              <a:t>Customer segmentation using k-means clusters:</a:t>
-            </a:r>
-            <a:endParaRPr b="1"/>
-          </a:p>
-          <a:p>
-            <a:pPr indent="0" lvl="0" marL="457200" rtl="0" algn="l">
-              <a:spcBef>
-                <a:spcPts val="1600"/>
-              </a:spcBef>
-              <a:spcAft>
-                <a:spcPts val="0"/>
-              </a:spcAft>
-              <a:buNone/>
-            </a:pPr>
-            <a:r>
-              <a:rPr lang="en"/>
-              <a:t>G</a:t>
-            </a:r>
-            <a:r>
-              <a:rPr lang="en"/>
-              <a:t>roups customers into clusters based on similarities in their features.</a:t>
-            </a:r>
-            <a:endParaRPr/>
-          </a:p>
-          <a:p>
-            <a:pPr indent="-342900" lvl="0" marL="457200" rtl="0" algn="l">
-              <a:spcBef>
-                <a:spcPts val="1600"/>
-              </a:spcBef>
-              <a:spcAft>
-                <a:spcPts val="0"/>
-              </a:spcAft>
-              <a:buSzPts val="1800"/>
-              <a:buChar char="■"/>
-            </a:pPr>
-            <a:r>
-              <a:rPr b="1" lang="en"/>
-              <a:t>Recommendations using Collaborative and content based filtering</a:t>
-            </a:r>
-            <a:endParaRPr b="1"/>
-          </a:p>
-          <a:p>
-            <a:pPr indent="0" lvl="0" marL="457200" rtl="0" algn="l">
-              <a:spcBef>
-                <a:spcPts val="1600"/>
-              </a:spcBef>
-              <a:spcAft>
-                <a:spcPts val="0"/>
-              </a:spcAft>
-              <a:buNone/>
-            </a:pPr>
-            <a:r>
-              <a:rPr lang="en"/>
-              <a:t>Collaborative: R</a:t>
-            </a:r>
-            <a:r>
-              <a:rPr lang="en"/>
-              <a:t>ecommends items to customers based on their similarity to other customers or items in terms of preferences or behavior.</a:t>
-            </a:r>
-            <a:endParaRPr/>
-          </a:p>
-          <a:p>
-            <a:pPr indent="0" lvl="0" marL="457200" rtl="0" algn="l">
-              <a:spcBef>
-                <a:spcPts val="1600"/>
-              </a:spcBef>
-              <a:spcAft>
-                <a:spcPts val="0"/>
-              </a:spcAft>
-              <a:buNone/>
-            </a:pPr>
-            <a:r>
-              <a:rPr lang="en"/>
-              <a:t>Content based:  items based on the similarity of their attributes to the customer's past preferences or profile.</a:t>
-            </a:r>
-            <a:endParaRPr/>
-          </a:p>
-          <a:p>
-            <a:pPr indent="0" lvl="0" marL="457200" rtl="0" algn="l">
-              <a:spcBef>
-                <a:spcPts val="1600"/>
-              </a:spcBef>
-              <a:spcAft>
-                <a:spcPts val="1600"/>
-              </a:spcAft>
-              <a:buNone/>
-            </a:pPr>
-            <a:r>
-              <a:t/>
-            </a:r>
-            <a:endParaRPr/>
-          </a:p>
-        </p:txBody>
-      </p:sp>
-    </p:spTree>
-  </p:cSld>
-  <p:clrMapOvr>
-    <a:masterClrMapping/>
-  </p:clrMapOvr>
-</p:sld>
-</file>
-
-<file path=ppt/slides/slide7.xml><?xml version="1.0" encoding="utf-8"?>
-<p:sld xmlns:a="http://schemas.openxmlformats.org/drawingml/2006/main" xmlns:r="http://schemas.openxmlformats.org/officeDocument/2006/relationships" xmlns:mc="http://schemas.openxmlformats.org/markup-compatibility/2006" xmlns:mv="urn:schemas-microsoft-com:mac:vml" xmlns:p="http://schemas.openxmlformats.org/presentationml/2006/main" xmlns:c="http://schemas.openxmlformats.org/drawingml/2006/chart" xmlns:dgm="http://schemas.openxmlformats.org/drawingml/2006/diagram" xmlns:o="urn:schemas-microsoft-com:office:office" xmlns:v="urn:schemas-microsoft-com:vml" xmlns:pvml="urn:schemas-microsoft-com:office:powerpoint" xmlns:com="http://schemas.openxmlformats.org/drawingml/2006/compatibility" xmlns:p14="http://schemas.microsoft.com/office/powerpoint/2010/main" xmlns:p15="http://schemas.microsoft.com/office/powerpoint/2012/main" xmlns:ahyp="http://schemas.microsoft.com/office/drawing/2018/hyperlinkcolor">
-  <p:cSld>
-    <p:spTree>
-      <p:nvGrpSpPr>
-        <p:cNvPr id="122" name="Shape 122"/>
-        <p:cNvGrpSpPr/>
-        <p:nvPr/>
-      </p:nvGrpSpPr>
-      <p:grpSpPr>
-        <a:xfrm>
-          <a:off x="0" y="0"/>
-          <a:ext cx="0" cy="0"/>
-          <a:chOff x="0" y="0"/>
-          <a:chExt cx="0" cy="0"/>
-        </a:xfrm>
-      </p:grpSpPr>
-      <p:sp>
-        <p:nvSpPr>
-          <p:cNvPr id="123" name="Google Shape;123;p19"/>
-          <p:cNvSpPr txBox="1"/>
-          <p:nvPr>
-            <p:ph type="title"/>
-          </p:nvPr>
-        </p:nvSpPr>
-        <p:spPr>
-          <a:xfrm>
-            <a:off x="311700" y="410000"/>
-            <a:ext cx="8520600" cy="607800"/>
-          </a:xfrm>
-          <a:prstGeom prst="rect">
-            <a:avLst/>
-          </a:prstGeom>
-        </p:spPr>
-        <p:txBody>
-          <a:bodyPr anchorCtr="0" anchor="t" bIns="91425" lIns="91425" spcFirstLastPara="1" rIns="91425" wrap="square" tIns="91425">
-            <a:noAutofit/>
-          </a:bodyPr>
-          <a:lstStyle/>
-          <a:p>
-            <a:pPr indent="0" lvl="0" marL="0" rtl="0" algn="l">
-              <a:spcBef>
-                <a:spcPts val="0"/>
-              </a:spcBef>
-              <a:spcAft>
-                <a:spcPts val="0"/>
-              </a:spcAft>
-              <a:buNone/>
-            </a:pPr>
-            <a:r>
-              <a:rPr lang="en" u="sng"/>
-              <a:t>ML models</a:t>
-            </a:r>
-            <a:endParaRPr u="sng"/>
-          </a:p>
-        </p:txBody>
-      </p:sp>
-      <p:sp>
-        <p:nvSpPr>
-          <p:cNvPr id="124" name="Google Shape;124;p19"/>
-          <p:cNvSpPr txBox="1"/>
-          <p:nvPr>
-            <p:ph idx="1" type="body"/>
-          </p:nvPr>
-        </p:nvSpPr>
-        <p:spPr>
-          <a:xfrm>
-            <a:off x="97825" y="1208475"/>
-            <a:ext cx="8854800" cy="3479400"/>
-          </a:xfrm>
-          <a:prstGeom prst="rect">
-            <a:avLst/>
-          </a:prstGeom>
-        </p:spPr>
-        <p:txBody>
-          <a:bodyPr anchorCtr="0" anchor="t" bIns="91425" lIns="91425" spcFirstLastPara="1" rIns="91425" wrap="square" tIns="91425">
-            <a:noAutofit/>
-          </a:bodyPr>
-          <a:lstStyle/>
-          <a:p>
-            <a:pPr indent="-342900" lvl="0" marL="457200" rtl="0" algn="l">
-              <a:spcBef>
-                <a:spcPts val="0"/>
-              </a:spcBef>
-              <a:spcAft>
-                <a:spcPts val="0"/>
-              </a:spcAft>
-              <a:buSzPts val="1800"/>
-              <a:buChar char="■"/>
-            </a:pPr>
-            <a:r>
-              <a:rPr b="1" lang="en"/>
-              <a:t>Text Classification &amp; Summarization</a:t>
-            </a:r>
-            <a:endParaRPr b="1"/>
-          </a:p>
-          <a:p>
-            <a:pPr indent="0" lvl="0" marL="457200" rtl="0" algn="l">
-              <a:spcBef>
-                <a:spcPts val="1600"/>
-              </a:spcBef>
-              <a:spcAft>
-                <a:spcPts val="0"/>
-              </a:spcAft>
-              <a:buNone/>
-            </a:pPr>
-            <a:r>
-              <a:rPr lang="en"/>
-              <a:t>Classify the email feedback into predefined categories or tags, such as complaints, suggestions, compliments, or requests.</a:t>
-            </a:r>
-            <a:endParaRPr/>
-          </a:p>
-          <a:p>
-            <a:pPr indent="0" lvl="0" marL="457200" rtl="0" algn="l">
-              <a:spcBef>
-                <a:spcPts val="1600"/>
-              </a:spcBef>
-              <a:spcAft>
-                <a:spcPts val="0"/>
-              </a:spcAft>
-              <a:buNone/>
-            </a:pPr>
-            <a:r>
-              <a:rPr lang="en"/>
-              <a:t>Generate concise summaries of email feedback to provide a quick overview of customer opinions and concerns.</a:t>
-            </a:r>
-            <a:endParaRPr/>
-          </a:p>
-          <a:p>
-            <a:pPr indent="-342900" lvl="0" marL="457200" rtl="0" algn="l">
-              <a:spcBef>
-                <a:spcPts val="1600"/>
-              </a:spcBef>
-              <a:spcAft>
-                <a:spcPts val="0"/>
-              </a:spcAft>
-              <a:buSzPts val="1800"/>
-              <a:buChar char="■"/>
-            </a:pPr>
-            <a:r>
-              <a:rPr b="1" lang="en"/>
-              <a:t>Sentiment analysis</a:t>
-            </a:r>
-            <a:endParaRPr b="1"/>
-          </a:p>
-          <a:p>
-            <a:pPr indent="0" lvl="0" marL="457200" rtl="0" algn="l">
-              <a:spcBef>
-                <a:spcPts val="1600"/>
-              </a:spcBef>
-              <a:spcAft>
-                <a:spcPts val="0"/>
-              </a:spcAft>
-              <a:buNone/>
-            </a:pPr>
-            <a:r>
-              <a:rPr lang="en"/>
-              <a:t>Determine the sentiment expressed in the email feedback (positive, negative, or neutral) to understand overall customer sentiment towards the services.</a:t>
-            </a:r>
-            <a:endParaRPr/>
-          </a:p>
-          <a:p>
-            <a:pPr indent="0" lvl="0" marL="457200" rtl="0" algn="l">
-              <a:spcBef>
-                <a:spcPts val="1600"/>
-              </a:spcBef>
-              <a:spcAft>
-                <a:spcPts val="0"/>
-              </a:spcAft>
-              <a:buNone/>
-            </a:pPr>
-            <a:r>
-              <a:t/>
-            </a:r>
-            <a:endParaRPr/>
-          </a:p>
-          <a:p>
-            <a:pPr indent="0" lvl="0" marL="457200" rtl="0" algn="l">
-              <a:spcBef>
-                <a:spcPts val="1600"/>
-              </a:spcBef>
-              <a:spcAft>
-                <a:spcPts val="0"/>
-              </a:spcAft>
-              <a:buNone/>
-            </a:pPr>
-            <a:r>
-              <a:t/>
-            </a:r>
-            <a:endParaRPr/>
-          </a:p>
-          <a:p>
-            <a:pPr indent="0" lvl="0" marL="457200" rtl="0" algn="l">
-              <a:spcBef>
-                <a:spcPts val="1600"/>
-              </a:spcBef>
-              <a:spcAft>
-                <a:spcPts val="1600"/>
-              </a:spcAft>
-              <a:buNone/>
-            </a:pPr>
-            <a:r>
-              <a:t/>
-            </a:r>
-            <a:endParaRPr/>
-          </a:p>
-        </p:txBody>
-      </p:sp>
-    </p:spTree>
-  </p:cSld>
-  <p:clrMapOvr>
-    <a:masterClrMapping/>
-  </p:clrMapOvr>
-</p:sld>
-</file>
-
-<file path=ppt/slides/slide8.xml><?xml version="1.0" encoding="utf-8"?>
-<p:sld xmlns:a="http://schemas.openxmlformats.org/drawingml/2006/main" xmlns:r="http://schemas.openxmlformats.org/officeDocument/2006/relationships" xmlns:mc="http://schemas.openxmlformats.org/markup-compatibility/2006" xmlns:mv="urn:schemas-microsoft-com:mac:vml" xmlns:p="http://schemas.openxmlformats.org/presentationml/2006/main" xmlns:c="http://schemas.openxmlformats.org/drawingml/2006/chart" xmlns:dgm="http://schemas.openxmlformats.org/drawingml/2006/diagram" xmlns:o="urn:schemas-microsoft-com:office:office" xmlns:v="urn:schemas-microsoft-com:vml" xmlns:pvml="urn:schemas-microsoft-com:office:powerpoint" xmlns:com="http://schemas.openxmlformats.org/drawingml/2006/compatibility" xmlns:p14="http://schemas.microsoft.com/office/powerpoint/2010/main" xmlns:p15="http://schemas.microsoft.com/office/powerpoint/2012/main" xmlns:ahyp="http://schemas.microsoft.com/office/drawing/2018/hyperlinkcolor">
-  <p:cSld>
-    <p:spTree>
-      <p:nvGrpSpPr>
-        <p:cNvPr id="128" name="Shape 128"/>
-        <p:cNvGrpSpPr/>
-        <p:nvPr/>
-      </p:nvGrpSpPr>
-      <p:grpSpPr>
-        <a:xfrm>
-          <a:off x="0" y="0"/>
-          <a:ext cx="0" cy="0"/>
-          <a:chOff x="0" y="0"/>
-          <a:chExt cx="0" cy="0"/>
-        </a:xfrm>
-      </p:grpSpPr>
-      <p:sp>
-        <p:nvSpPr>
-          <p:cNvPr id="129" name="Google Shape;129;p20"/>
+          <p:cNvPr id="127" name="Google Shape;127;p20"/>
           <p:cNvSpPr txBox="1"/>
           <p:nvPr>
             <p:ph type="title"/>
@@ -9653,7 +9408,7 @@
       </p:sp>
       <p:sp>
         <p:nvSpPr>
-          <p:cNvPr id="130" name="Google Shape;130;p20"/>
+          <p:cNvPr id="128" name="Google Shape;128;p20"/>
           <p:cNvSpPr txBox="1"/>
           <p:nvPr/>
         </p:nvSpPr>
@@ -9806,6 +9561,285 @@
 </file>
 
 <file path=ppt/theme/theme1.xml><?xml version="1.0" encoding="utf-8"?>
+<a:theme xmlns:a="http://schemas.openxmlformats.org/drawingml/2006/main" xmlns:r="http://schemas.openxmlformats.org/officeDocument/2006/relationships" name="Geometric">
+  <a:themeElements>
+    <a:clrScheme name="Geometric">
+      <a:dk1>
+        <a:srgbClr val="2A3990"/>
+      </a:dk1>
+      <a:lt1>
+        <a:srgbClr val="FFFFFF"/>
+      </a:lt1>
+      <a:dk2>
+        <a:srgbClr val="434343"/>
+      </a:dk2>
+      <a:lt2>
+        <a:srgbClr val="999999"/>
+      </a:lt2>
+      <a:accent1>
+        <a:srgbClr val="212D74"/>
+      </a:accent1>
+      <a:accent2>
+        <a:srgbClr val="3949AB"/>
+      </a:accent2>
+      <a:accent3>
+        <a:srgbClr val="9C254D"/>
+      </a:accent3>
+      <a:accent4>
+        <a:srgbClr val="D23369"/>
+      </a:accent4>
+      <a:accent5>
+        <a:srgbClr val="F06292"/>
+      </a:accent5>
+      <a:accent6>
+        <a:srgbClr val="7890CD"/>
+      </a:accent6>
+      <a:hlink>
+        <a:srgbClr val="F06292"/>
+      </a:hlink>
+      <a:folHlink>
+        <a:srgbClr val="F06292"/>
+      </a:folHlink>
+    </a:clrScheme>
+    <a:fontScheme name="Office">
+      <a:majorFont>
+        <a:latin typeface="Arial"/>
+        <a:ea typeface=""/>
+        <a:cs typeface=""/>
+        <a:font script="Jpan" typeface="ＭＳ Ｐゴシック"/>
+        <a:font script="Hang" typeface="맑은 고딕"/>
+        <a:font script="Hans" typeface="宋体"/>
+        <a:font script="Hant" typeface="新細明體"/>
+        <a:font script="Arab" typeface="Times New Roman"/>
+        <a:font script="Hebr" typeface="Times New Roman"/>
+        <a:font script="Thai" typeface="Angsana New"/>
+        <a:font script="Ethi" typeface="Nyala"/>
+        <a:font script="Beng" typeface="Vrinda"/>
+        <a:font script="Gujr" typeface="Shruti"/>
+        <a:font script="Khmr" typeface="MoolBoran"/>
+        <a:font script="Knda" typeface="Tunga"/>
+        <a:font script="Guru" typeface="Raavi"/>
+        <a:font script="Cans" typeface="Euphemia"/>
+        <a:font script="Cher" typeface="Plantagenet Cherokee"/>
+        <a:font script="Yiii" typeface="Microsoft Yi Baiti"/>
+        <a:font script="Tibt" typeface="Microsoft Himalaya"/>
+        <a:font script="Thaa" typeface="MV Boli"/>
+        <a:font script="Deva" typeface="Mangal"/>
+        <a:font script="Telu" typeface="Gautami"/>
+        <a:font script="Taml" typeface="Latha"/>
+        <a:font script="Syrc" typeface="Estrangelo Edessa"/>
+        <a:font script="Orya" typeface="Kalinga"/>
+        <a:font script="Mlym" typeface="Kartika"/>
+        <a:font script="Laoo" typeface="DokChampa"/>
+        <a:font script="Sinh" typeface="Iskoola Pota"/>
+        <a:font script="Mong" typeface="Mongolian Baiti"/>
+        <a:font script="Viet" typeface="Times New Roman"/>
+        <a:font script="Uigh" typeface="Microsoft Uighur"/>
+        <a:font script="Geor" typeface="Sylfaen"/>
+      </a:majorFont>
+      <a:minorFont>
+        <a:latin typeface="Arial"/>
+        <a:ea typeface=""/>
+        <a:cs typeface=""/>
+        <a:font script="Jpan" typeface="ＭＳ Ｐゴシック"/>
+        <a:font script="Hang" typeface="맑은 고딕"/>
+        <a:font script="Hans" typeface="宋体"/>
+        <a:font script="Hant" typeface="新細明體"/>
+        <a:font script="Arab" typeface="Arial"/>
+        <a:font script="Hebr" typeface="Arial"/>
+        <a:font script="Thai" typeface="Cordia New"/>
+        <a:font script="Ethi" typeface="Nyala"/>
+        <a:font script="Beng" typeface="Vrinda"/>
+        <a:font script="Gujr" typeface="Shruti"/>
+        <a:font script="Khmr" typeface="DaunPenh"/>
+        <a:font script="Knda" typeface="Tunga"/>
+        <a:font script="Guru" typeface="Raavi"/>
+        <a:font script="Cans" typeface="Euphemia"/>
+        <a:font script="Cher" typeface="Plantagenet Cherokee"/>
+        <a:font script="Yiii" typeface="Microsoft Yi Baiti"/>
+        <a:font script="Tibt" typeface="Microsoft Himalaya"/>
+        <a:font script="Thaa" typeface="MV Boli"/>
+        <a:font script="Deva" typeface="Mangal"/>
+        <a:font script="Telu" typeface="Gautami"/>
+        <a:font script="Taml" typeface="Latha"/>
+        <a:font script="Syrc" typeface="Estrangelo Edessa"/>
+        <a:font script="Orya" typeface="Kalinga"/>
+        <a:font script="Mlym" typeface="Kartika"/>
+        <a:font script="Laoo" typeface="DokChampa"/>
+        <a:font script="Sinh" typeface="Iskoola Pota"/>
+        <a:font script="Mong" typeface="Mongolian Baiti"/>
+        <a:font script="Viet" typeface="Arial"/>
+        <a:font script="Uigh" typeface="Microsoft Uighur"/>
+        <a:font script="Geor" typeface="Sylfaen"/>
+      </a:minorFont>
+    </a:fontScheme>
+    <a:fmtScheme name="Office">
+      <a:fillStyleLst>
+        <a:solidFill>
+          <a:schemeClr val="phClr"/>
+        </a:solidFill>
+        <a:gradFill rotWithShape="1">
+          <a:gsLst>
+            <a:gs pos="0">
+              <a:schemeClr val="phClr">
+                <a:tint val="50000"/>
+                <a:satMod val="300000"/>
+              </a:schemeClr>
+            </a:gs>
+            <a:gs pos="35000">
+              <a:schemeClr val="phClr">
+                <a:tint val="37000"/>
+                <a:satMod val="300000"/>
+              </a:schemeClr>
+            </a:gs>
+            <a:gs pos="100000">
+              <a:schemeClr val="phClr">
+                <a:tint val="15000"/>
+                <a:satMod val="350000"/>
+              </a:schemeClr>
+            </a:gs>
+          </a:gsLst>
+          <a:lin ang="16200000" scaled="1"/>
+        </a:gradFill>
+        <a:gradFill rotWithShape="1">
+          <a:gsLst>
+            <a:gs pos="0">
+              <a:schemeClr val="phClr">
+                <a:tint val="100000"/>
+                <a:shade val="100000"/>
+                <a:satMod val="130000"/>
+              </a:schemeClr>
+            </a:gs>
+            <a:gs pos="100000">
+              <a:schemeClr val="phClr">
+                <a:tint val="50000"/>
+                <a:shade val="100000"/>
+                <a:satMod val="350000"/>
+              </a:schemeClr>
+            </a:gs>
+          </a:gsLst>
+          <a:lin ang="16200000" scaled="0"/>
+        </a:gradFill>
+      </a:fillStyleLst>
+      <a:lnStyleLst>
+        <a:ln w="9525" cap="flat" cmpd="sng" algn="ctr">
+          <a:solidFill>
+            <a:schemeClr val="phClr">
+              <a:shade val="95000"/>
+              <a:satMod val="105000"/>
+            </a:schemeClr>
+          </a:solidFill>
+          <a:prstDash val="solid"/>
+        </a:ln>
+        <a:ln w="25400" cap="flat" cmpd="sng" algn="ctr">
+          <a:solidFill>
+            <a:schemeClr val="phClr"/>
+          </a:solidFill>
+          <a:prstDash val="solid"/>
+        </a:ln>
+        <a:ln w="38100" cap="flat" cmpd="sng" algn="ctr">
+          <a:solidFill>
+            <a:schemeClr val="phClr"/>
+          </a:solidFill>
+          <a:prstDash val="solid"/>
+        </a:ln>
+      </a:lnStyleLst>
+      <a:effectStyleLst>
+        <a:effectStyle>
+          <a:effectLst>
+            <a:outerShdw blurRad="40000" dist="20000" dir="5400000" rotWithShape="0">
+              <a:srgbClr val="000000">
+                <a:alpha val="38000"/>
+              </a:srgbClr>
+            </a:outerShdw>
+          </a:effectLst>
+        </a:effectStyle>
+        <a:effectStyle>
+          <a:effectLst>
+            <a:outerShdw blurRad="40000" dist="23000" dir="5400000" rotWithShape="0">
+              <a:srgbClr val="000000">
+                <a:alpha val="35000"/>
+              </a:srgbClr>
+            </a:outerShdw>
+          </a:effectLst>
+        </a:effectStyle>
+        <a:effectStyle>
+          <a:effectLst>
+            <a:outerShdw blurRad="40000" dist="23000" dir="5400000" rotWithShape="0">
+              <a:srgbClr val="000000">
+                <a:alpha val="35000"/>
+              </a:srgbClr>
+            </a:outerShdw>
+          </a:effectLst>
+          <a:scene3d>
+            <a:camera prst="orthographicFront">
+              <a:rot lat="0" lon="0" rev="0"/>
+            </a:camera>
+            <a:lightRig rig="threePt" dir="t">
+              <a:rot lat="0" lon="0" rev="1200000"/>
+            </a:lightRig>
+          </a:scene3d>
+          <a:sp3d>
+            <a:bevelT w="63500" h="25400"/>
+          </a:sp3d>
+        </a:effectStyle>
+      </a:effectStyleLst>
+      <a:bgFillStyleLst>
+        <a:solidFill>
+          <a:schemeClr val="phClr"/>
+        </a:solidFill>
+        <a:gradFill rotWithShape="1">
+          <a:gsLst>
+            <a:gs pos="0">
+              <a:schemeClr val="phClr">
+                <a:tint val="40000"/>
+                <a:satMod val="350000"/>
+              </a:schemeClr>
+            </a:gs>
+            <a:gs pos="40000">
+              <a:schemeClr val="phClr">
+                <a:tint val="45000"/>
+                <a:shade val="99000"/>
+                <a:satMod val="350000"/>
+              </a:schemeClr>
+            </a:gs>
+            <a:gs pos="100000">
+              <a:schemeClr val="phClr">
+                <a:shade val="20000"/>
+                <a:satMod val="255000"/>
+              </a:schemeClr>
+            </a:gs>
+          </a:gsLst>
+          <a:path path="circle">
+            <a:fillToRect l="50000" t="-80000" r="50000" b="180000"/>
+          </a:path>
+        </a:gradFill>
+        <a:gradFill rotWithShape="1">
+          <a:gsLst>
+            <a:gs pos="0">
+              <a:schemeClr val="phClr">
+                <a:tint val="80000"/>
+                <a:satMod val="300000"/>
+              </a:schemeClr>
+            </a:gs>
+            <a:gs pos="100000">
+              <a:schemeClr val="phClr">
+                <a:shade val="30000"/>
+                <a:satMod val="200000"/>
+              </a:schemeClr>
+            </a:gs>
+          </a:gsLst>
+          <a:path path="circle">
+            <a:fillToRect l="50000" t="50000" r="50000" b="50000"/>
+          </a:path>
+        </a:gradFill>
+      </a:bgFillStyleLst>
+    </a:fmtScheme>
+  </a:themeElements>
+</a:theme>
+</file>
+
+<file path=ppt/theme/theme2.xml><?xml version="1.0" encoding="utf-8"?>
 <a:theme xmlns:a="http://schemas.openxmlformats.org/drawingml/2006/main" xmlns:r="http://schemas.openxmlformats.org/officeDocument/2006/relationships">
   <a:themeElements>
     <a:clrScheme name="Default">
@@ -10082,283 +10116,4 @@
     </a:fmtScheme>
   </a:themeElements>
 </a:theme>
-</file>
-
-<file path=ppt/theme/theme2.xml><?xml version="1.0" encoding="utf-8"?>
-<a:theme xmlns:a="http://schemas.openxmlformats.org/drawingml/2006/main" xmlns:r="http://schemas.openxmlformats.org/officeDocument/2006/relationships" name="Geometric">
-  <a:themeElements>
-    <a:clrScheme name="Geometric">
-      <a:dk1>
-        <a:srgbClr val="2A3990"/>
-      </a:dk1>
-      <a:lt1>
-        <a:srgbClr val="FFFFFF"/>
-      </a:lt1>
-      <a:dk2>
-        <a:srgbClr val="434343"/>
-      </a:dk2>
-      <a:lt2>
-        <a:srgbClr val="999999"/>
-      </a:lt2>
-      <a:accent1>
-        <a:srgbClr val="212D74"/>
-      </a:accent1>
-      <a:accent2>
-        <a:srgbClr val="3949AB"/>
-      </a:accent2>
-      <a:accent3>
-        <a:srgbClr val="9C254D"/>
-      </a:accent3>
-      <a:accent4>
-        <a:srgbClr val="D23369"/>
-      </a:accent4>
-      <a:accent5>
-        <a:srgbClr val="F06292"/>
-      </a:accent5>
-      <a:accent6>
-        <a:srgbClr val="7890CD"/>
-      </a:accent6>
-      <a:hlink>
-        <a:srgbClr val="F06292"/>
-      </a:hlink>
-      <a:folHlink>
-        <a:srgbClr val="F06292"/>
-      </a:folHlink>
-    </a:clrScheme>
-    <a:fontScheme name="Office">
-      <a:majorFont>
-        <a:latin typeface="Arial"/>
-        <a:ea typeface=""/>
-        <a:cs typeface=""/>
-        <a:font script="Jpan" typeface="ＭＳ Ｐゴシック"/>
-        <a:font script="Hang" typeface="맑은 고딕"/>
-        <a:font script="Hans" typeface="宋体"/>
-        <a:font script="Hant" typeface="新細明體"/>
-        <a:font script="Arab" typeface="Times New Roman"/>
-        <a:font script="Hebr" typeface="Times New Roman"/>
-        <a:font script="Thai" typeface="Angsana New"/>
-        <a:font script="Ethi" typeface="Nyala"/>
-        <a:font script="Beng" typeface="Vrinda"/>
-        <a:font script="Gujr" typeface="Shruti"/>
-        <a:font script="Khmr" typeface="MoolBoran"/>
-        <a:font script="Knda" typeface="Tunga"/>
-        <a:font script="Guru" typeface="Raavi"/>
-        <a:font script="Cans" typeface="Euphemia"/>
-        <a:font script="Cher" typeface="Plantagenet Cherokee"/>
-        <a:font script="Yiii" typeface="Microsoft Yi Baiti"/>
-        <a:font script="Tibt" typeface="Microsoft Himalaya"/>
-        <a:font script="Thaa" typeface="MV Boli"/>
-        <a:font script="Deva" typeface="Mangal"/>
-        <a:font script="Telu" typeface="Gautami"/>
-        <a:font script="Taml" typeface="Latha"/>
-        <a:font script="Syrc" typeface="Estrangelo Edessa"/>
-        <a:font script="Orya" typeface="Kalinga"/>
-        <a:font script="Mlym" typeface="Kartika"/>
-        <a:font script="Laoo" typeface="DokChampa"/>
-        <a:font script="Sinh" typeface="Iskoola Pota"/>
-        <a:font script="Mong" typeface="Mongolian Baiti"/>
-        <a:font script="Viet" typeface="Times New Roman"/>
-        <a:font script="Uigh" typeface="Microsoft Uighur"/>
-        <a:font script="Geor" typeface="Sylfaen"/>
-      </a:majorFont>
-      <a:minorFont>
-        <a:latin typeface="Arial"/>
-        <a:ea typeface=""/>
-        <a:cs typeface=""/>
-        <a:font script="Jpan" typeface="ＭＳ Ｐゴシック"/>
-        <a:font script="Hang" typeface="맑은 고딕"/>
-        <a:font script="Hans" typeface="宋体"/>
-        <a:font script="Hant" typeface="新細明體"/>
-        <a:font script="Arab" typeface="Arial"/>
-        <a:font script="Hebr" typeface="Arial"/>
-        <a:font script="Thai" typeface="Cordia New"/>
-        <a:font script="Ethi" typeface="Nyala"/>
-        <a:font script="Beng" typeface="Vrinda"/>
-        <a:font script="Gujr" typeface="Shruti"/>
-        <a:font script="Khmr" typeface="DaunPenh"/>
-        <a:font script="Knda" typeface="Tunga"/>
-        <a:font script="Guru" typeface="Raavi"/>
-        <a:font script="Cans" typeface="Euphemia"/>
-        <a:font script="Cher" typeface="Plantagenet Cherokee"/>
-        <a:font script="Yiii" typeface="Microsoft Yi Baiti"/>
-        <a:font script="Tibt" typeface="Microsoft Himalaya"/>
-        <a:font script="Thaa" typeface="MV Boli"/>
-        <a:font script="Deva" typeface="Mangal"/>
-        <a:font script="Telu" typeface="Gautami"/>
-        <a:font script="Taml" typeface="Latha"/>
-        <a:font script="Syrc" typeface="Estrangelo Edessa"/>
-        <a:font script="Orya" typeface="Kalinga"/>
-        <a:font script="Mlym" typeface="Kartika"/>
-        <a:font script="Laoo" typeface="DokChampa"/>
-        <a:font script="Sinh" typeface="Iskoola Pota"/>
-        <a:font script="Mong" typeface="Mongolian Baiti"/>
-        <a:font script="Viet" typeface="Arial"/>
-        <a:font script="Uigh" typeface="Microsoft Uighur"/>
-        <a:font script="Geor" typeface="Sylfaen"/>
-      </a:minorFont>
-    </a:fontScheme>
-    <a:fmtScheme name="Office">
-      <a:fillStyleLst>
-        <a:solidFill>
-          <a:schemeClr val="phClr"/>
-        </a:solidFill>
-        <a:gradFill rotWithShape="1">
-          <a:gsLst>
-            <a:gs pos="0">
-              <a:schemeClr val="phClr">
-                <a:tint val="50000"/>
-                <a:satMod val="300000"/>
-              </a:schemeClr>
-            </a:gs>
-            <a:gs pos="35000">
-              <a:schemeClr val="phClr">
-                <a:tint val="37000"/>
-                <a:satMod val="300000"/>
-              </a:schemeClr>
-            </a:gs>
-            <a:gs pos="100000">
-              <a:schemeClr val="phClr">
-                <a:tint val="15000"/>
-                <a:satMod val="350000"/>
-              </a:schemeClr>
-            </a:gs>
-          </a:gsLst>
-          <a:lin ang="16200000" scaled="1"/>
-        </a:gradFill>
-        <a:gradFill rotWithShape="1">
-          <a:gsLst>
-            <a:gs pos="0">
-              <a:schemeClr val="phClr">
-                <a:tint val="100000"/>
-                <a:shade val="100000"/>
-                <a:satMod val="130000"/>
-              </a:schemeClr>
-            </a:gs>
-            <a:gs pos="100000">
-              <a:schemeClr val="phClr">
-                <a:tint val="50000"/>
-                <a:shade val="100000"/>
-                <a:satMod val="350000"/>
-              </a:schemeClr>
-            </a:gs>
-          </a:gsLst>
-          <a:lin ang="16200000" scaled="0"/>
-        </a:gradFill>
-      </a:fillStyleLst>
-      <a:lnStyleLst>
-        <a:ln w="9525" cap="flat" cmpd="sng" algn="ctr">
-          <a:solidFill>
-            <a:schemeClr val="phClr">
-              <a:shade val="95000"/>
-              <a:satMod val="105000"/>
-            </a:schemeClr>
-          </a:solidFill>
-          <a:prstDash val="solid"/>
-        </a:ln>
-        <a:ln w="25400" cap="flat" cmpd="sng" algn="ctr">
-          <a:solidFill>
-            <a:schemeClr val="phClr"/>
-          </a:solidFill>
-          <a:prstDash val="solid"/>
-        </a:ln>
-        <a:ln w="38100" cap="flat" cmpd="sng" algn="ctr">
-          <a:solidFill>
-            <a:schemeClr val="phClr"/>
-          </a:solidFill>
-          <a:prstDash val="solid"/>
-        </a:ln>
-      </a:lnStyleLst>
-      <a:effectStyleLst>
-        <a:effectStyle>
-          <a:effectLst>
-            <a:outerShdw blurRad="40000" dist="20000" dir="5400000" rotWithShape="0">
-              <a:srgbClr val="000000">
-                <a:alpha val="38000"/>
-              </a:srgbClr>
-            </a:outerShdw>
-          </a:effectLst>
-        </a:effectStyle>
-        <a:effectStyle>
-          <a:effectLst>
-            <a:outerShdw blurRad="40000" dist="23000" dir="5400000" rotWithShape="0">
-              <a:srgbClr val="000000">
-                <a:alpha val="35000"/>
-              </a:srgbClr>
-            </a:outerShdw>
-          </a:effectLst>
-        </a:effectStyle>
-        <a:effectStyle>
-          <a:effectLst>
-            <a:outerShdw blurRad="40000" dist="23000" dir="5400000" rotWithShape="0">
-              <a:srgbClr val="000000">
-                <a:alpha val="35000"/>
-              </a:srgbClr>
-            </a:outerShdw>
-          </a:effectLst>
-          <a:scene3d>
-            <a:camera prst="orthographicFront">
-              <a:rot lat="0" lon="0" rev="0"/>
-            </a:camera>
-            <a:lightRig rig="threePt" dir="t">
-              <a:rot lat="0" lon="0" rev="1200000"/>
-            </a:lightRig>
-          </a:scene3d>
-          <a:sp3d>
-            <a:bevelT w="63500" h="25400"/>
-          </a:sp3d>
-        </a:effectStyle>
-      </a:effectStyleLst>
-      <a:bgFillStyleLst>
-        <a:solidFill>
-          <a:schemeClr val="phClr"/>
-        </a:solidFill>
-        <a:gradFill rotWithShape="1">
-          <a:gsLst>
-            <a:gs pos="0">
-              <a:schemeClr val="phClr">
-                <a:tint val="40000"/>
-                <a:satMod val="350000"/>
-              </a:schemeClr>
-            </a:gs>
-            <a:gs pos="40000">
-              <a:schemeClr val="phClr">
-                <a:tint val="45000"/>
-                <a:shade val="99000"/>
-                <a:satMod val="350000"/>
-              </a:schemeClr>
-            </a:gs>
-            <a:gs pos="100000">
-              <a:schemeClr val="phClr">
-                <a:shade val="20000"/>
-                <a:satMod val="255000"/>
-              </a:schemeClr>
-            </a:gs>
-          </a:gsLst>
-          <a:path path="circle">
-            <a:fillToRect l="50000" t="-80000" r="50000" b="180000"/>
-          </a:path>
-        </a:gradFill>
-        <a:gradFill rotWithShape="1">
-          <a:gsLst>
-            <a:gs pos="0">
-              <a:schemeClr val="phClr">
-                <a:tint val="80000"/>
-                <a:satMod val="300000"/>
-              </a:schemeClr>
-            </a:gs>
-            <a:gs pos="100000">
-              <a:schemeClr val="phClr">
-                <a:shade val="30000"/>
-                <a:satMod val="200000"/>
-              </a:schemeClr>
-            </a:gs>
-          </a:gsLst>
-          <a:path path="circle">
-            <a:fillToRect l="50000" t="50000" r="50000" b="50000"/>
-          </a:path>
-        </a:gradFill>
-      </a:bgFillStyleLst>
-    </a:fmtScheme>
-  </a:themeElements>
-</a:theme>
 </file>